--- a/AngularJS/lesson_15/Presentation/services_2.pptx
+++ b/AngularJS/lesson_15/Presentation/services_2.pptx
@@ -111,6 +111,22 @@
       </a:defRPr>
     </a:lvl9pPr>
   </p:defaultTextStyle>
+  <p:extLst>
+    <p:ext uri="{EFAFB233-063F-42B5-8137-9DF3F51BA10A}">
+      <p15:sldGuideLst xmlns:p15="http://schemas.microsoft.com/office/powerpoint/2012/main">
+        <p15:guide id="1" orient="horz" pos="2160">
+          <p15:clr>
+            <a:srgbClr val="A4A3A4"/>
+          </p15:clr>
+        </p15:guide>
+        <p15:guide id="2" pos="2880">
+          <p15:clr>
+            <a:srgbClr val="A4A3A4"/>
+          </p15:clr>
+        </p15:guide>
+      </p15:sldGuideLst>
+    </p:ext>
+  </p:extLst>
 </p:presentation>
 </file>
 
@@ -196,7 +212,7 @@
           <a:p>
             <a:fld id="{4C8CEA55-1566-48ED-86A8-062DBB6EDD19}" type="datetimeFigureOut">
               <a:rPr lang="uk-UA" smtClean="0"/>
-              <a:t>27.06.2016</a:t>
+              <a:t>21.08.2016</a:t>
             </a:fld>
             <a:endParaRPr lang="uk-UA"/>
           </a:p>
@@ -262,35 +278,35 @@
           <a:p>
             <a:pPr lvl="0"/>
             <a:r>
-              <a:rPr lang="ru-RU" smtClean="0"/>
+              <a:rPr lang="ru-RU"/>
               <a:t>Образец текста</a:t>
             </a:r>
           </a:p>
           <a:p>
             <a:pPr lvl="1"/>
             <a:r>
-              <a:rPr lang="ru-RU" smtClean="0"/>
+              <a:rPr lang="ru-RU"/>
               <a:t>Второй уровень</a:t>
             </a:r>
           </a:p>
           <a:p>
             <a:pPr lvl="2"/>
             <a:r>
-              <a:rPr lang="ru-RU" smtClean="0"/>
+              <a:rPr lang="ru-RU"/>
               <a:t>Третий уровень</a:t>
             </a:r>
           </a:p>
           <a:p>
             <a:pPr lvl="3"/>
             <a:r>
-              <a:rPr lang="ru-RU" smtClean="0"/>
+              <a:rPr lang="ru-RU"/>
               <a:t>Четвертый уровень</a:t>
             </a:r>
           </a:p>
           <a:p>
             <a:pPr lvl="4"/>
             <a:r>
-              <a:rPr lang="ru-RU" smtClean="0"/>
+              <a:rPr lang="ru-RU"/>
               <a:t>Пятый уровень</a:t>
             </a:r>
             <a:endParaRPr lang="uk-UA"/>
@@ -597,10 +613,9 @@
           </a:lstStyle>
           <a:p>
             <a:r>
-              <a:rPr lang="en-US" dirty="0" smtClean="0"/>
+              <a:rPr lang="en-US" dirty="0"/>
               <a:t>title style</a:t>
             </a:r>
-            <a:endParaRPr lang="en-US" dirty="0"/>
           </a:p>
         </p:txBody>
       </p:sp>
@@ -720,7 +735,7 @@
           </a:lstStyle>
           <a:p>
             <a:r>
-              <a:rPr lang="ru-RU" smtClean="0"/>
+              <a:rPr lang="ru-RU"/>
               <a:t>Образец подзаголовка</a:t>
             </a:r>
             <a:endParaRPr lang="en-US" dirty="0"/>
@@ -1049,20 +1064,13 @@
     </p:spTree>
     <p:extLst>
       <p:ext uri="{BB962C8B-B14F-4D97-AF65-F5344CB8AC3E}">
-        <p14:creationId xmlns="" xmlns:p14="http://schemas.microsoft.com/office/powerpoint/2010/main" val="3537187278"/>
+        <p14:creationId xmlns:p14="http://schemas.microsoft.com/office/powerpoint/2010/main" val="3537187278"/>
       </p:ext>
     </p:extLst>
   </p:cSld>
   <p:clrMapOvr>
     <a:overrideClrMapping bg1="lt1" tx1="dk1" bg2="lt2" tx2="dk2" accent1="accent1" accent2="accent2" accent3="accent3" accent4="accent4" accent5="accent5" accent6="accent6" hlink="hlink" folHlink="folHlink"/>
   </p:clrMapOvr>
-  <p:timing>
-    <p:tnLst>
-      <p:par>
-        <p:cTn id="1" dur="indefinite" restart="never" nodeType="tmRoot"/>
-      </p:par>
-    </p:tnLst>
-  </p:timing>
 </p:sldLayout>
 </file>
 
@@ -1095,7 +1103,7 @@
           <a:blip r:embed="rId2" cstate="print">
             <a:extLst>
               <a:ext uri="{28A0092B-C50C-407E-A947-70E740481C1C}">
-                <a14:useLocalDpi xmlns="" xmlns:a14="http://schemas.microsoft.com/office/drawing/2010/main" val="0"/>
+                <a14:useLocalDpi xmlns:a14="http://schemas.microsoft.com/office/drawing/2010/main" val="0"/>
               </a:ext>
             </a:extLst>
           </a:blip>
@@ -1119,14 +1127,14 @@
           <a:effectLst/>
           <a:extLst>
             <a:ext uri="{909E8E84-426E-40DD-AFC4-6F175D3DCCD1}">
-              <a14:hiddenFill xmlns="" xmlns:a14="http://schemas.microsoft.com/office/drawing/2010/main">
+              <a14:hiddenFill xmlns:a14="http://schemas.microsoft.com/office/drawing/2010/main">
                 <a:solidFill>
                   <a:schemeClr val="accent1"/>
                 </a:solidFill>
               </a14:hiddenFill>
             </a:ext>
             <a:ext uri="{91240B29-F687-4F45-9708-019B960494DF}">
-              <a14:hiddenLine xmlns="" xmlns:a14="http://schemas.microsoft.com/office/drawing/2010/main" w="9525">
+              <a14:hiddenLine xmlns:a14="http://schemas.microsoft.com/office/drawing/2010/main" w="9525">
                 <a:solidFill>
                   <a:schemeClr val="tx1"/>
                 </a:solidFill>
@@ -1136,7 +1144,7 @@
               </a14:hiddenLine>
             </a:ext>
             <a:ext uri="{AF507438-7753-43E0-B8FC-AC1667EBCBE1}">
-              <a14:hiddenEffects xmlns="" xmlns:a14="http://schemas.microsoft.com/office/drawing/2010/main">
+              <a14:hiddenEffects xmlns:a14="http://schemas.microsoft.com/office/drawing/2010/main">
                 <a:effectLst>
                   <a:outerShdw dist="35921" dir="2700000" algn="ctr" rotWithShape="0">
                     <a:schemeClr val="bg2"/>
@@ -1231,7 +1239,7 @@
           </a:lstStyle>
           <a:p>
             <a:r>
-              <a:rPr lang="ru-RU" smtClean="0"/>
+              <a:rPr lang="ru-RU"/>
               <a:t>Образец заголовка</a:t>
             </a:r>
             <a:endParaRPr lang="en-US" dirty="0"/>
@@ -1268,7 +1276,7 @@
           <a:p>
             <a:pPr lvl="4"/>
             <a:r>
-              <a:rPr lang="en-US" dirty="0" smtClean="0"/>
+              <a:rPr lang="en-US" dirty="0"/>
               <a:t>Subtitle</a:t>
             </a:r>
           </a:p>
@@ -1277,20 +1285,13 @@
     </p:spTree>
     <p:extLst>
       <p:ext uri="{BB962C8B-B14F-4D97-AF65-F5344CB8AC3E}">
-        <p14:creationId xmlns="" xmlns:p14="http://schemas.microsoft.com/office/powerpoint/2010/main" val="2097366919"/>
+        <p14:creationId xmlns:p14="http://schemas.microsoft.com/office/powerpoint/2010/main" val="2097366919"/>
       </p:ext>
     </p:extLst>
   </p:cSld>
   <p:clrMapOvr>
     <a:masterClrMapping/>
   </p:clrMapOvr>
-  <p:timing>
-    <p:tnLst>
-      <p:par>
-        <p:cTn id="1" dur="indefinite" restart="never" nodeType="tmRoot"/>
-      </p:par>
-    </p:tnLst>
-  </p:timing>
 </p:sldLayout>
 </file>
 
@@ -1799,7 +1800,7 @@
     </p:spTree>
     <p:extLst>
       <p:ext uri="{BB962C8B-B14F-4D97-AF65-F5344CB8AC3E}">
-        <p14:creationId xmlns:p14="http://schemas.microsoft.com/office/powerpoint/2010/main" xmlns="" val="3537187278"/>
+        <p14:creationId xmlns:p14="http://schemas.microsoft.com/office/powerpoint/2010/main" val="3537187278"/>
       </p:ext>
     </p:extLst>
   </p:cSld>
@@ -1857,7 +1858,7 @@
           <a:lstStyle/>
           <a:p>
             <a:r>
-              <a:rPr lang="ru-RU" smtClean="0"/>
+              <a:rPr lang="ru-RU"/>
               <a:t>Образец заголовка</a:t>
             </a:r>
             <a:endParaRPr lang="en-US"/>
@@ -1867,7 +1868,7 @@
     </p:spTree>
     <p:extLst>
       <p:ext uri="{BB962C8B-B14F-4D97-AF65-F5344CB8AC3E}">
-        <p14:creationId xmlns="" xmlns:p14="http://schemas.microsoft.com/office/powerpoint/2010/main" val="779007194"/>
+        <p14:creationId xmlns:p14="http://schemas.microsoft.com/office/powerpoint/2010/main" val="779007194"/>
       </p:ext>
     </p:extLst>
   </p:cSld>
@@ -1877,13 +1878,6 @@
     <p:sldLayoutId id="2147483663" r:id="rId2"/>
     <p:sldLayoutId id="2147483664" r:id="rId3"/>
   </p:sldLayoutIdLst>
-  <p:timing>
-    <p:tnLst>
-      <p:par>
-        <p:cTn id="1" dur="indefinite" restart="never" nodeType="tmRoot"/>
-      </p:par>
-    </p:tnLst>
-  </p:timing>
   <p:txStyles>
     <p:titleStyle>
       <a:lvl1pPr algn="ctr" defTabSz="914400" rtl="0" eaLnBrk="1" latinLnBrk="0" hangingPunct="1">
@@ -2223,11 +2217,11 @@
           <a:lstStyle/>
           <a:p>
             <a:r>
-              <a:rPr lang="en-US" sz="2700" dirty="0" smtClean="0">
+              <a:rPr lang="en-US" sz="2700" dirty="0">
                 <a:solidFill>
                   <a:schemeClr val="bg1"/>
                 </a:solidFill>
-                <a:latin typeface="Roboto Thin" panose="02000000000000000000" pitchFamily="2" charset="0"/>
+                <a:latin typeface="Calibri Light" panose="020F0302020204030204" pitchFamily="34" charset="0"/>
                 <a:ea typeface="Roboto Thin" panose="02000000000000000000" pitchFamily="2" charset="0"/>
                 <a:cs typeface="Roboto Thin" panose="02000000000000000000" pitchFamily="2" charset="0"/>
               </a:rPr>
@@ -2237,248 +2231,13 @@
               <a:solidFill>
                 <a:srgbClr val="7564BC"/>
               </a:solidFill>
-              <a:latin typeface="Roboto Thin" panose="02000000000000000000" pitchFamily="2" charset="0"/>
+              <a:latin typeface="Calibri Light" panose="020F0302020204030204" pitchFamily="34" charset="0"/>
               <a:ea typeface="Roboto Thin" panose="02000000000000000000" pitchFamily="2" charset="0"/>
               <a:cs typeface="Roboto Thin" panose="02000000000000000000" pitchFamily="2" charset="0"/>
             </a:endParaRPr>
           </a:p>
         </p:txBody>
       </p:sp>
-      <p:sp>
-        <p:nvSpPr>
-          <p:cNvPr id="6" name="Subtitle 2"/>
-          <p:cNvSpPr txBox="1">
-            <a:spLocks/>
-          </p:cNvSpPr>
-          <p:nvPr/>
-        </p:nvSpPr>
-        <p:spPr>
-          <a:xfrm>
-            <a:off x="806449" y="1281006"/>
-            <a:ext cx="6322695" cy="507831"/>
-          </a:xfrm>
-          <a:prstGeom prst="rect">
-            <a:avLst/>
-          </a:prstGeom>
-        </p:spPr>
-        <p:txBody>
-          <a:bodyPr wrap="square">
-            <a:spAutoFit/>
-          </a:bodyPr>
-          <a:lstStyle>
-            <a:lvl1pPr marL="0" indent="0" algn="l" defTabSz="914400" rtl="0" eaLnBrk="1" latinLnBrk="0" hangingPunct="1">
-              <a:spcBef>
-                <a:spcPct val="20000"/>
-              </a:spcBef>
-              <a:buFont typeface="Arial" pitchFamily="34" charset="0"/>
-              <a:buNone/>
-              <a:defRPr sz="3200" kern="1200">
-                <a:solidFill>
-                  <a:schemeClr val="tx1">
-                    <a:tint val="75000"/>
-                  </a:schemeClr>
-                </a:solidFill>
-                <a:latin typeface="+mj-lt"/>
-                <a:ea typeface="+mn-ea"/>
-                <a:cs typeface="+mn-cs"/>
-              </a:defRPr>
-            </a:lvl1pPr>
-            <a:lvl2pPr marL="457200" indent="0" algn="ctr" defTabSz="914400" rtl="0" eaLnBrk="1" latinLnBrk="0" hangingPunct="1">
-              <a:spcBef>
-                <a:spcPct val="20000"/>
-              </a:spcBef>
-              <a:buFont typeface="Arial" pitchFamily="34" charset="0"/>
-              <a:buNone/>
-              <a:defRPr sz="2800" kern="1200">
-                <a:solidFill>
-                  <a:schemeClr val="tx1">
-                    <a:tint val="75000"/>
-                  </a:schemeClr>
-                </a:solidFill>
-                <a:latin typeface="+mn-lt"/>
-                <a:ea typeface="+mn-ea"/>
-                <a:cs typeface="+mn-cs"/>
-              </a:defRPr>
-            </a:lvl2pPr>
-            <a:lvl3pPr marL="914400" indent="0" algn="ctr" defTabSz="914400" rtl="0" eaLnBrk="1" latinLnBrk="0" hangingPunct="1">
-              <a:spcBef>
-                <a:spcPct val="20000"/>
-              </a:spcBef>
-              <a:buFont typeface="Arial" pitchFamily="34" charset="0"/>
-              <a:buNone/>
-              <a:defRPr sz="2400" kern="1200">
-                <a:solidFill>
-                  <a:schemeClr val="tx1">
-                    <a:tint val="75000"/>
-                  </a:schemeClr>
-                </a:solidFill>
-                <a:latin typeface="+mn-lt"/>
-                <a:ea typeface="+mn-ea"/>
-                <a:cs typeface="+mn-cs"/>
-              </a:defRPr>
-            </a:lvl3pPr>
-            <a:lvl4pPr marL="1371600" indent="0" algn="ctr" defTabSz="914400" rtl="0" eaLnBrk="1" latinLnBrk="0" hangingPunct="1">
-              <a:spcBef>
-                <a:spcPct val="20000"/>
-              </a:spcBef>
-              <a:buFont typeface="Arial" pitchFamily="34" charset="0"/>
-              <a:buNone/>
-              <a:defRPr sz="2000" kern="1200">
-                <a:solidFill>
-                  <a:schemeClr val="tx1">
-                    <a:tint val="75000"/>
-                  </a:schemeClr>
-                </a:solidFill>
-                <a:latin typeface="+mn-lt"/>
-                <a:ea typeface="+mn-ea"/>
-                <a:cs typeface="+mn-cs"/>
-              </a:defRPr>
-            </a:lvl4pPr>
-            <a:lvl5pPr marL="1828800" indent="0" algn="ctr" defTabSz="914400" rtl="0" eaLnBrk="1" latinLnBrk="0" hangingPunct="1">
-              <a:spcBef>
-                <a:spcPct val="20000"/>
-              </a:spcBef>
-              <a:buFont typeface="Arial" pitchFamily="34" charset="0"/>
-              <a:buNone/>
-              <a:defRPr sz="2000" kern="1200">
-                <a:solidFill>
-                  <a:schemeClr val="tx1">
-                    <a:tint val="75000"/>
-                  </a:schemeClr>
-                </a:solidFill>
-                <a:latin typeface="+mn-lt"/>
-                <a:ea typeface="+mn-ea"/>
-                <a:cs typeface="+mn-cs"/>
-              </a:defRPr>
-            </a:lvl5pPr>
-            <a:lvl6pPr marL="2286000" indent="0" algn="ctr" defTabSz="914400" rtl="0" eaLnBrk="1" latinLnBrk="0" hangingPunct="1">
-              <a:spcBef>
-                <a:spcPct val="20000"/>
-              </a:spcBef>
-              <a:buFont typeface="Arial" pitchFamily="34" charset="0"/>
-              <a:buNone/>
-              <a:defRPr sz="2000" kern="1200">
-                <a:solidFill>
-                  <a:schemeClr val="tx1">
-                    <a:tint val="75000"/>
-                  </a:schemeClr>
-                </a:solidFill>
-                <a:latin typeface="+mn-lt"/>
-                <a:ea typeface="+mn-ea"/>
-                <a:cs typeface="+mn-cs"/>
-              </a:defRPr>
-            </a:lvl6pPr>
-            <a:lvl7pPr marL="2743200" indent="0" algn="ctr" defTabSz="914400" rtl="0" eaLnBrk="1" latinLnBrk="0" hangingPunct="1">
-              <a:spcBef>
-                <a:spcPct val="20000"/>
-              </a:spcBef>
-              <a:buFont typeface="Arial" pitchFamily="34" charset="0"/>
-              <a:buNone/>
-              <a:defRPr sz="2000" kern="1200">
-                <a:solidFill>
-                  <a:schemeClr val="tx1">
-                    <a:tint val="75000"/>
-                  </a:schemeClr>
-                </a:solidFill>
-                <a:latin typeface="+mn-lt"/>
-                <a:ea typeface="+mn-ea"/>
-                <a:cs typeface="+mn-cs"/>
-              </a:defRPr>
-            </a:lvl7pPr>
-            <a:lvl8pPr marL="3200400" indent="0" algn="ctr" defTabSz="914400" rtl="0" eaLnBrk="1" latinLnBrk="0" hangingPunct="1">
-              <a:spcBef>
-                <a:spcPct val="20000"/>
-              </a:spcBef>
-              <a:buFont typeface="Arial" pitchFamily="34" charset="0"/>
-              <a:buNone/>
-              <a:defRPr sz="2000" kern="1200">
-                <a:solidFill>
-                  <a:schemeClr val="tx1">
-                    <a:tint val="75000"/>
-                  </a:schemeClr>
-                </a:solidFill>
-                <a:latin typeface="+mn-lt"/>
-                <a:ea typeface="+mn-ea"/>
-                <a:cs typeface="+mn-cs"/>
-              </a:defRPr>
-            </a:lvl8pPr>
-            <a:lvl9pPr marL="3657600" indent="0" algn="ctr" defTabSz="914400" rtl="0" eaLnBrk="1" latinLnBrk="0" hangingPunct="1">
-              <a:spcBef>
-                <a:spcPct val="20000"/>
-              </a:spcBef>
-              <a:buFont typeface="Arial" pitchFamily="34" charset="0"/>
-              <a:buNone/>
-              <a:defRPr sz="2000" kern="1200">
-                <a:solidFill>
-                  <a:schemeClr val="tx1">
-                    <a:tint val="75000"/>
-                  </a:schemeClr>
-                </a:solidFill>
-                <a:latin typeface="+mn-lt"/>
-                <a:ea typeface="+mn-ea"/>
-                <a:cs typeface="+mn-cs"/>
-              </a:defRPr>
-            </a:lvl9pPr>
-          </a:lstStyle>
-          <a:p>
-            <a:r>
-              <a:rPr lang="en-US" sz="2700" dirty="0">
-                <a:solidFill>
-                  <a:schemeClr val="tx1">
-                    <a:lumMod val="90000"/>
-                    <a:lumOff val="10000"/>
-                  </a:schemeClr>
-                </a:solidFill>
-                <a:latin typeface="Roboto Light" panose="02000000000000000000" pitchFamily="2" charset="0"/>
-                <a:ea typeface="Roboto Light" panose="02000000000000000000" pitchFamily="2" charset="0"/>
-                <a:cs typeface="Roboto Light" panose="02000000000000000000" pitchFamily="2" charset="0"/>
-              </a:rPr>
-              <a:t>The JavaScript Programming Language</a:t>
-            </a:r>
-          </a:p>
-        </p:txBody>
-      </p:sp>
-      <p:pic>
-        <p:nvPicPr>
-          <p:cNvPr id="1028" name="Picture 4" descr="C:\Users\Darick\Desktop\Mmww2.png"/>
-          <p:cNvPicPr>
-            <a:picLocks noChangeAspect="1" noChangeArrowheads="1"/>
-          </p:cNvPicPr>
-          <p:nvPr/>
-        </p:nvPicPr>
-        <p:blipFill>
-          <a:blip r:embed="rId3" cstate="print">
-            <a:extLst>
-              <a:ext uri="{28A0092B-C50C-407E-A947-70E740481C1C}">
-                <a14:useLocalDpi xmlns:a14="http://schemas.microsoft.com/office/drawing/2010/main" xmlns="" val="0"/>
-              </a:ext>
-            </a:extLst>
-          </a:blip>
-          <a:srcRect/>
-          <a:stretch>
-            <a:fillRect/>
-          </a:stretch>
-        </p:blipFill>
-        <p:spPr bwMode="auto">
-          <a:xfrm>
-            <a:off x="1" y="698501"/>
-            <a:ext cx="809625" cy="1079500"/>
-          </a:xfrm>
-          <a:prstGeom prst="rect">
-            <a:avLst/>
-          </a:prstGeom>
-          <a:noFill/>
-          <a:extLst>
-            <a:ext uri="{909E8E84-426E-40DD-AFC4-6F175D3DCCD1}">
-              <a14:hiddenFill xmlns:a14="http://schemas.microsoft.com/office/drawing/2010/main" xmlns="">
-                <a:solidFill>
-                  <a:srgbClr val="FFFFFF"/>
-                </a:solidFill>
-              </a14:hiddenFill>
-            </a:ext>
-          </a:extLst>
-        </p:spPr>
-      </p:pic>
       <p:sp>
         <p:nvSpPr>
           <p:cNvPr id="5" name="TextBox 4"/>
@@ -2502,21 +2261,470 @@
           <a:lstStyle/>
           <a:p>
             <a:r>
-              <a:rPr lang="ru-RU" sz="4400" dirty="0" smtClean="0">
+              <a:rPr lang="ru-RU" sz="4400" dirty="0">
                 <a:solidFill>
                   <a:srgbClr val="7564BC"/>
                 </a:solidFill>
+                <a:latin typeface="Calibri" panose="020F0502020204030204" pitchFamily="34" charset="0"/>
               </a:rPr>
               <a:t>Сервисы</a:t>
             </a:r>
-            <a:endParaRPr lang="en-US" dirty="0"/>
+            <a:endParaRPr lang="en-US" dirty="0">
+              <a:latin typeface="Calibri" panose="020F0502020204030204" pitchFamily="34" charset="0"/>
+            </a:endParaRPr>
           </a:p>
         </p:txBody>
       </p:sp>
+      <p:grpSp>
+        <p:nvGrpSpPr>
+          <p:cNvPr id="8" name="Group 7"/>
+          <p:cNvGrpSpPr/>
+          <p:nvPr/>
+        </p:nvGrpSpPr>
+        <p:grpSpPr>
+          <a:xfrm>
+            <a:off x="1095828" y="1268760"/>
+            <a:ext cx="7890676" cy="981439"/>
+            <a:chOff x="976312" y="1284918"/>
+            <a:chExt cx="7890676" cy="981439"/>
+          </a:xfrm>
+        </p:grpSpPr>
+        <p:sp>
+          <p:nvSpPr>
+            <p:cNvPr id="9" name="Subtitle 2"/>
+            <p:cNvSpPr txBox="1">
+              <a:spLocks/>
+            </p:cNvSpPr>
+            <p:nvPr/>
+          </p:nvSpPr>
+          <p:spPr>
+            <a:xfrm>
+              <a:off x="1888060" y="1521428"/>
+              <a:ext cx="6322695" cy="507831"/>
+            </a:xfrm>
+            <a:prstGeom prst="rect">
+              <a:avLst/>
+            </a:prstGeom>
+          </p:spPr>
+          <p:txBody>
+            <a:bodyPr wrap="square">
+              <a:spAutoFit/>
+            </a:bodyPr>
+            <a:lstStyle>
+              <a:lvl1pPr marL="0" indent="0" algn="l" defTabSz="914400" rtl="0" eaLnBrk="1" latinLnBrk="0" hangingPunct="1">
+                <a:spcBef>
+                  <a:spcPct val="20000"/>
+                </a:spcBef>
+                <a:buFont typeface="Arial" pitchFamily="34" charset="0"/>
+                <a:buNone/>
+                <a:defRPr sz="3200" kern="1200">
+                  <a:solidFill>
+                    <a:schemeClr val="tx1">
+                      <a:tint val="75000"/>
+                    </a:schemeClr>
+                  </a:solidFill>
+                  <a:latin typeface="+mj-lt"/>
+                  <a:ea typeface="+mn-ea"/>
+                  <a:cs typeface="+mn-cs"/>
+                </a:defRPr>
+              </a:lvl1pPr>
+              <a:lvl2pPr marL="457200" indent="0" algn="ctr" defTabSz="914400" rtl="0" eaLnBrk="1" latinLnBrk="0" hangingPunct="1">
+                <a:spcBef>
+                  <a:spcPct val="20000"/>
+                </a:spcBef>
+                <a:buFont typeface="Arial" pitchFamily="34" charset="0"/>
+                <a:buNone/>
+                <a:defRPr sz="2800" kern="1200">
+                  <a:solidFill>
+                    <a:schemeClr val="tx1">
+                      <a:tint val="75000"/>
+                    </a:schemeClr>
+                  </a:solidFill>
+                  <a:latin typeface="+mn-lt"/>
+                  <a:ea typeface="+mn-ea"/>
+                  <a:cs typeface="+mn-cs"/>
+                </a:defRPr>
+              </a:lvl2pPr>
+              <a:lvl3pPr marL="914400" indent="0" algn="ctr" defTabSz="914400" rtl="0" eaLnBrk="1" latinLnBrk="0" hangingPunct="1">
+                <a:spcBef>
+                  <a:spcPct val="20000"/>
+                </a:spcBef>
+                <a:buFont typeface="Arial" pitchFamily="34" charset="0"/>
+                <a:buNone/>
+                <a:defRPr sz="2400" kern="1200">
+                  <a:solidFill>
+                    <a:schemeClr val="tx1">
+                      <a:tint val="75000"/>
+                    </a:schemeClr>
+                  </a:solidFill>
+                  <a:latin typeface="+mn-lt"/>
+                  <a:ea typeface="+mn-ea"/>
+                  <a:cs typeface="+mn-cs"/>
+                </a:defRPr>
+              </a:lvl3pPr>
+              <a:lvl4pPr marL="1371600" indent="0" algn="ctr" defTabSz="914400" rtl="0" eaLnBrk="1" latinLnBrk="0" hangingPunct="1">
+                <a:spcBef>
+                  <a:spcPct val="20000"/>
+                </a:spcBef>
+                <a:buFont typeface="Arial" pitchFamily="34" charset="0"/>
+                <a:buNone/>
+                <a:defRPr sz="2000" kern="1200">
+                  <a:solidFill>
+                    <a:schemeClr val="tx1">
+                      <a:tint val="75000"/>
+                    </a:schemeClr>
+                  </a:solidFill>
+                  <a:latin typeface="+mn-lt"/>
+                  <a:ea typeface="+mn-ea"/>
+                  <a:cs typeface="+mn-cs"/>
+                </a:defRPr>
+              </a:lvl4pPr>
+              <a:lvl5pPr marL="1828800" indent="0" algn="ctr" defTabSz="914400" rtl="0" eaLnBrk="1" latinLnBrk="0" hangingPunct="1">
+                <a:spcBef>
+                  <a:spcPct val="20000"/>
+                </a:spcBef>
+                <a:buFont typeface="Arial" pitchFamily="34" charset="0"/>
+                <a:buNone/>
+                <a:defRPr sz="2000" kern="1200">
+                  <a:solidFill>
+                    <a:schemeClr val="tx1">
+                      <a:tint val="75000"/>
+                    </a:schemeClr>
+                  </a:solidFill>
+                  <a:latin typeface="+mn-lt"/>
+                  <a:ea typeface="+mn-ea"/>
+                  <a:cs typeface="+mn-cs"/>
+                </a:defRPr>
+              </a:lvl5pPr>
+              <a:lvl6pPr marL="2286000" indent="0" algn="ctr" defTabSz="914400" rtl="0" eaLnBrk="1" latinLnBrk="0" hangingPunct="1">
+                <a:spcBef>
+                  <a:spcPct val="20000"/>
+                </a:spcBef>
+                <a:buFont typeface="Arial" pitchFamily="34" charset="0"/>
+                <a:buNone/>
+                <a:defRPr sz="2000" kern="1200">
+                  <a:solidFill>
+                    <a:schemeClr val="tx1">
+                      <a:tint val="75000"/>
+                    </a:schemeClr>
+                  </a:solidFill>
+                  <a:latin typeface="+mn-lt"/>
+                  <a:ea typeface="+mn-ea"/>
+                  <a:cs typeface="+mn-cs"/>
+                </a:defRPr>
+              </a:lvl6pPr>
+              <a:lvl7pPr marL="2743200" indent="0" algn="ctr" defTabSz="914400" rtl="0" eaLnBrk="1" latinLnBrk="0" hangingPunct="1">
+                <a:spcBef>
+                  <a:spcPct val="20000"/>
+                </a:spcBef>
+                <a:buFont typeface="Arial" pitchFamily="34" charset="0"/>
+                <a:buNone/>
+                <a:defRPr sz="2000" kern="1200">
+                  <a:solidFill>
+                    <a:schemeClr val="tx1">
+                      <a:tint val="75000"/>
+                    </a:schemeClr>
+                  </a:solidFill>
+                  <a:latin typeface="+mn-lt"/>
+                  <a:ea typeface="+mn-ea"/>
+                  <a:cs typeface="+mn-cs"/>
+                </a:defRPr>
+              </a:lvl7pPr>
+              <a:lvl8pPr marL="3200400" indent="0" algn="ctr" defTabSz="914400" rtl="0" eaLnBrk="1" latinLnBrk="0" hangingPunct="1">
+                <a:spcBef>
+                  <a:spcPct val="20000"/>
+                </a:spcBef>
+                <a:buFont typeface="Arial" pitchFamily="34" charset="0"/>
+                <a:buNone/>
+                <a:defRPr sz="2000" kern="1200">
+                  <a:solidFill>
+                    <a:schemeClr val="tx1">
+                      <a:tint val="75000"/>
+                    </a:schemeClr>
+                  </a:solidFill>
+                  <a:latin typeface="+mn-lt"/>
+                  <a:ea typeface="+mn-ea"/>
+                  <a:cs typeface="+mn-cs"/>
+                </a:defRPr>
+              </a:lvl8pPr>
+              <a:lvl9pPr marL="3657600" indent="0" algn="ctr" defTabSz="914400" rtl="0" eaLnBrk="1" latinLnBrk="0" hangingPunct="1">
+                <a:spcBef>
+                  <a:spcPct val="20000"/>
+                </a:spcBef>
+                <a:buFont typeface="Arial" pitchFamily="34" charset="0"/>
+                <a:buNone/>
+                <a:defRPr sz="2000" kern="1200">
+                  <a:solidFill>
+                    <a:schemeClr val="tx1">
+                      <a:tint val="75000"/>
+                    </a:schemeClr>
+                  </a:solidFill>
+                  <a:latin typeface="+mn-lt"/>
+                  <a:ea typeface="+mn-ea"/>
+                  <a:cs typeface="+mn-cs"/>
+                </a:defRPr>
+              </a:lvl9pPr>
+            </a:lstStyle>
+            <a:p>
+              <a:r>
+                <a:rPr lang="en-US" sz="2700" dirty="0">
+                  <a:solidFill>
+                    <a:schemeClr val="tx1"/>
+                  </a:solidFill>
+                  <a:latin typeface="Calibri" panose="020F0502020204030204" pitchFamily="34" charset="0"/>
+                  <a:ea typeface="Roboto Light" panose="02000000000000000000" pitchFamily="2" charset="0"/>
+                  <a:cs typeface="Roboto Light" panose="02000000000000000000" pitchFamily="2" charset="0"/>
+                </a:rPr>
+                <a:t>NGULAR</a:t>
+              </a:r>
+              <a:r>
+                <a:rPr lang="en-US" sz="2700" dirty="0">
+                  <a:solidFill>
+                    <a:srgbClr val="C00000"/>
+                  </a:solidFill>
+                  <a:latin typeface="Calibri" panose="020F0502020204030204" pitchFamily="34" charset="0"/>
+                  <a:ea typeface="Roboto Light" panose="02000000000000000000" pitchFamily="2" charset="0"/>
+                  <a:cs typeface="Roboto Light" panose="02000000000000000000" pitchFamily="2" charset="0"/>
+                </a:rPr>
+                <a:t>JS</a:t>
+              </a:r>
+              <a:endParaRPr lang="en-US" sz="2700" dirty="0">
+                <a:solidFill>
+                  <a:schemeClr val="tx1"/>
+                </a:solidFill>
+                <a:latin typeface="Calibri" panose="020F0502020204030204" pitchFamily="34" charset="0"/>
+                <a:ea typeface="Roboto Light" panose="02000000000000000000" pitchFamily="2" charset="0"/>
+                <a:cs typeface="Roboto Light" panose="02000000000000000000" pitchFamily="2" charset="0"/>
+              </a:endParaRPr>
+            </a:p>
+          </p:txBody>
+        </p:sp>
+        <p:pic>
+          <p:nvPicPr>
+            <p:cNvPr id="10" name="Picture 9"/>
+            <p:cNvPicPr>
+              <a:picLocks noChangeAspect="1"/>
+            </p:cNvPicPr>
+            <p:nvPr/>
+          </p:nvPicPr>
+          <p:blipFill>
+            <a:blip r:embed="rId3" cstate="print">
+              <a:extLst>
+                <a:ext uri="{28A0092B-C50C-407E-A947-70E740481C1C}">
+                  <a14:useLocalDpi xmlns:a14="http://schemas.microsoft.com/office/drawing/2010/main" val="0"/>
+                </a:ext>
+              </a:extLst>
+            </a:blip>
+            <a:stretch>
+              <a:fillRect/>
+            </a:stretch>
+          </p:blipFill>
+          <p:spPr>
+            <a:xfrm>
+              <a:off x="976312" y="1284918"/>
+              <a:ext cx="925816" cy="981439"/>
+            </a:xfrm>
+            <a:prstGeom prst="rect">
+              <a:avLst/>
+            </a:prstGeom>
+          </p:spPr>
+        </p:pic>
+        <p:sp>
+          <p:nvSpPr>
+            <p:cNvPr id="11" name="Subtitle 2"/>
+            <p:cNvSpPr txBox="1">
+              <a:spLocks/>
+            </p:cNvSpPr>
+            <p:nvPr/>
+          </p:nvSpPr>
+          <p:spPr>
+            <a:xfrm>
+              <a:off x="2544293" y="1905156"/>
+              <a:ext cx="6322695" cy="338554"/>
+            </a:xfrm>
+            <a:prstGeom prst="rect">
+              <a:avLst/>
+            </a:prstGeom>
+          </p:spPr>
+          <p:txBody>
+            <a:bodyPr wrap="square">
+              <a:spAutoFit/>
+            </a:bodyPr>
+            <a:lstStyle>
+              <a:lvl1pPr marL="0" indent="0" algn="l" defTabSz="914400" rtl="0" eaLnBrk="1" latinLnBrk="0" hangingPunct="1">
+                <a:spcBef>
+                  <a:spcPct val="20000"/>
+                </a:spcBef>
+                <a:buFont typeface="Arial" pitchFamily="34" charset="0"/>
+                <a:buNone/>
+                <a:defRPr sz="3200" kern="1200">
+                  <a:solidFill>
+                    <a:schemeClr val="tx1">
+                      <a:tint val="75000"/>
+                    </a:schemeClr>
+                  </a:solidFill>
+                  <a:latin typeface="+mj-lt"/>
+                  <a:ea typeface="+mn-ea"/>
+                  <a:cs typeface="+mn-cs"/>
+                </a:defRPr>
+              </a:lvl1pPr>
+              <a:lvl2pPr marL="457200" indent="0" algn="ctr" defTabSz="914400" rtl="0" eaLnBrk="1" latinLnBrk="0" hangingPunct="1">
+                <a:spcBef>
+                  <a:spcPct val="20000"/>
+                </a:spcBef>
+                <a:buFont typeface="Arial" pitchFamily="34" charset="0"/>
+                <a:buNone/>
+                <a:defRPr sz="2800" kern="1200">
+                  <a:solidFill>
+                    <a:schemeClr val="tx1">
+                      <a:tint val="75000"/>
+                    </a:schemeClr>
+                  </a:solidFill>
+                  <a:latin typeface="+mn-lt"/>
+                  <a:ea typeface="+mn-ea"/>
+                  <a:cs typeface="+mn-cs"/>
+                </a:defRPr>
+              </a:lvl2pPr>
+              <a:lvl3pPr marL="914400" indent="0" algn="ctr" defTabSz="914400" rtl="0" eaLnBrk="1" latinLnBrk="0" hangingPunct="1">
+                <a:spcBef>
+                  <a:spcPct val="20000"/>
+                </a:spcBef>
+                <a:buFont typeface="Arial" pitchFamily="34" charset="0"/>
+                <a:buNone/>
+                <a:defRPr sz="2400" kern="1200">
+                  <a:solidFill>
+                    <a:schemeClr val="tx1">
+                      <a:tint val="75000"/>
+                    </a:schemeClr>
+                  </a:solidFill>
+                  <a:latin typeface="+mn-lt"/>
+                  <a:ea typeface="+mn-ea"/>
+                  <a:cs typeface="+mn-cs"/>
+                </a:defRPr>
+              </a:lvl3pPr>
+              <a:lvl4pPr marL="1371600" indent="0" algn="ctr" defTabSz="914400" rtl="0" eaLnBrk="1" latinLnBrk="0" hangingPunct="1">
+                <a:spcBef>
+                  <a:spcPct val="20000"/>
+                </a:spcBef>
+                <a:buFont typeface="Arial" pitchFamily="34" charset="0"/>
+                <a:buNone/>
+                <a:defRPr sz="2000" kern="1200">
+                  <a:solidFill>
+                    <a:schemeClr val="tx1">
+                      <a:tint val="75000"/>
+                    </a:schemeClr>
+                  </a:solidFill>
+                  <a:latin typeface="+mn-lt"/>
+                  <a:ea typeface="+mn-ea"/>
+                  <a:cs typeface="+mn-cs"/>
+                </a:defRPr>
+              </a:lvl4pPr>
+              <a:lvl5pPr marL="1828800" indent="0" algn="ctr" defTabSz="914400" rtl="0" eaLnBrk="1" latinLnBrk="0" hangingPunct="1">
+                <a:spcBef>
+                  <a:spcPct val="20000"/>
+                </a:spcBef>
+                <a:buFont typeface="Arial" pitchFamily="34" charset="0"/>
+                <a:buNone/>
+                <a:defRPr sz="2000" kern="1200">
+                  <a:solidFill>
+                    <a:schemeClr val="tx1">
+                      <a:tint val="75000"/>
+                    </a:schemeClr>
+                  </a:solidFill>
+                  <a:latin typeface="+mn-lt"/>
+                  <a:ea typeface="+mn-ea"/>
+                  <a:cs typeface="+mn-cs"/>
+                </a:defRPr>
+              </a:lvl5pPr>
+              <a:lvl6pPr marL="2286000" indent="0" algn="ctr" defTabSz="914400" rtl="0" eaLnBrk="1" latinLnBrk="0" hangingPunct="1">
+                <a:spcBef>
+                  <a:spcPct val="20000"/>
+                </a:spcBef>
+                <a:buFont typeface="Arial" pitchFamily="34" charset="0"/>
+                <a:buNone/>
+                <a:defRPr sz="2000" kern="1200">
+                  <a:solidFill>
+                    <a:schemeClr val="tx1">
+                      <a:tint val="75000"/>
+                    </a:schemeClr>
+                  </a:solidFill>
+                  <a:latin typeface="+mn-lt"/>
+                  <a:ea typeface="+mn-ea"/>
+                  <a:cs typeface="+mn-cs"/>
+                </a:defRPr>
+              </a:lvl6pPr>
+              <a:lvl7pPr marL="2743200" indent="0" algn="ctr" defTabSz="914400" rtl="0" eaLnBrk="1" latinLnBrk="0" hangingPunct="1">
+                <a:spcBef>
+                  <a:spcPct val="20000"/>
+                </a:spcBef>
+                <a:buFont typeface="Arial" pitchFamily="34" charset="0"/>
+                <a:buNone/>
+                <a:defRPr sz="2000" kern="1200">
+                  <a:solidFill>
+                    <a:schemeClr val="tx1">
+                      <a:tint val="75000"/>
+                    </a:schemeClr>
+                  </a:solidFill>
+                  <a:latin typeface="+mn-lt"/>
+                  <a:ea typeface="+mn-ea"/>
+                  <a:cs typeface="+mn-cs"/>
+                </a:defRPr>
+              </a:lvl7pPr>
+              <a:lvl8pPr marL="3200400" indent="0" algn="ctr" defTabSz="914400" rtl="0" eaLnBrk="1" latinLnBrk="0" hangingPunct="1">
+                <a:spcBef>
+                  <a:spcPct val="20000"/>
+                </a:spcBef>
+                <a:buFont typeface="Arial" pitchFamily="34" charset="0"/>
+                <a:buNone/>
+                <a:defRPr sz="2000" kern="1200">
+                  <a:solidFill>
+                    <a:schemeClr val="tx1">
+                      <a:tint val="75000"/>
+                    </a:schemeClr>
+                  </a:solidFill>
+                  <a:latin typeface="+mn-lt"/>
+                  <a:ea typeface="+mn-ea"/>
+                  <a:cs typeface="+mn-cs"/>
+                </a:defRPr>
+              </a:lvl8pPr>
+              <a:lvl9pPr marL="3657600" indent="0" algn="ctr" defTabSz="914400" rtl="0" eaLnBrk="1" latinLnBrk="0" hangingPunct="1">
+                <a:spcBef>
+                  <a:spcPct val="20000"/>
+                </a:spcBef>
+                <a:buFont typeface="Arial" pitchFamily="34" charset="0"/>
+                <a:buNone/>
+                <a:defRPr sz="2000" kern="1200">
+                  <a:solidFill>
+                    <a:schemeClr val="tx1">
+                      <a:tint val="75000"/>
+                    </a:schemeClr>
+                  </a:solidFill>
+                  <a:latin typeface="+mn-lt"/>
+                  <a:ea typeface="+mn-ea"/>
+                  <a:cs typeface="+mn-cs"/>
+                </a:defRPr>
+              </a:lvl9pPr>
+            </a:lstStyle>
+            <a:p>
+              <a:r>
+                <a:rPr lang="en-US" sz="1600" dirty="0">
+                  <a:solidFill>
+                    <a:schemeClr val="tx1"/>
+                  </a:solidFill>
+                  <a:latin typeface="Calibri" panose="020F0502020204030204" pitchFamily="34" charset="0"/>
+                  <a:ea typeface="Roboto Light" panose="02000000000000000000" pitchFamily="2" charset="0"/>
+                  <a:cs typeface="Roboto Light" panose="02000000000000000000" pitchFamily="2" charset="0"/>
+                </a:rPr>
+                <a:t>by Google</a:t>
+              </a:r>
+            </a:p>
+          </p:txBody>
+        </p:sp>
+      </p:grpSp>
     </p:spTree>
     <p:extLst>
       <p:ext uri="{BB962C8B-B14F-4D97-AF65-F5344CB8AC3E}">
-        <p14:creationId xmlns:p14="http://schemas.microsoft.com/office/powerpoint/2010/main" xmlns="" val="3436223543"/>
+        <p14:creationId xmlns:p14="http://schemas.microsoft.com/office/powerpoint/2010/main" val="3436223543"/>
       </p:ext>
     </p:extLst>
   </p:cSld>
@@ -2559,7 +2767,7 @@
           <a:lstStyle/>
           <a:p>
             <a:r>
-              <a:rPr lang="ru-RU" dirty="0" smtClean="0">
+              <a:rPr lang="ru-RU" dirty="0">
                 <a:latin typeface="Calibri" pitchFamily="34" charset="0"/>
               </a:rPr>
               <a:t>Сервисы – обертки надо глобальными объектами</a:t>
@@ -2582,8 +2790,8 @@
         </p:nvSpPr>
         <p:spPr>
           <a:xfrm>
-            <a:off x="395536" y="1484784"/>
-            <a:ext cx="8352928" cy="2946400"/>
+            <a:off x="457200" y="1484784"/>
+            <a:ext cx="8435280" cy="2946400"/>
           </a:xfrm>
         </p:spPr>
         <p:txBody>
@@ -2593,153 +2801,177 @@
             <a:pPr>
               <a:buNone/>
             </a:pPr>
-            <a:endParaRPr lang="ru-RU" sz="2400" dirty="0" smtClean="0">
+            <a:endParaRPr lang="ru-RU" sz="1800" dirty="0">
               <a:latin typeface="Calibri" pitchFamily="34" charset="0"/>
             </a:endParaRPr>
           </a:p>
           <a:p>
             <a:r>
-              <a:rPr lang="en-US" sz="2400" dirty="0" smtClean="0">
-                <a:latin typeface="Calibri" pitchFamily="34" charset="0"/>
-              </a:rPr>
-              <a:t>•$window -</a:t>
-            </a:r>
-            <a:r>
-              <a:rPr lang="uk-UA" sz="2400" dirty="0" err="1" smtClean="0">
+              <a:rPr lang="en-US" sz="1800" b="1" dirty="0">
+                <a:latin typeface="Calibri" pitchFamily="34" charset="0"/>
+              </a:rPr>
+              <a:t>$window</a:t>
+            </a:r>
+            <a:r>
+              <a:rPr lang="en-US" sz="1800" dirty="0">
+                <a:latin typeface="Calibri" pitchFamily="34" charset="0"/>
+              </a:rPr>
+              <a:t> -</a:t>
+            </a:r>
+            <a:r>
+              <a:rPr lang="ru-RU" sz="1800" dirty="0">
+                <a:latin typeface="Calibri" pitchFamily="34" charset="0"/>
+              </a:rPr>
+              <a:t> </a:t>
+            </a:r>
+            <a:r>
+              <a:rPr lang="uk-UA" sz="1800" dirty="0" err="1">
                 <a:latin typeface="Calibri" pitchFamily="34" charset="0"/>
               </a:rPr>
               <a:t>предоставляет</a:t>
             </a:r>
             <a:r>
-              <a:rPr lang="uk-UA" sz="2400" dirty="0" smtClean="0">
+              <a:rPr lang="uk-UA" sz="1800" dirty="0">
                 <a:latin typeface="Calibri" pitchFamily="34" charset="0"/>
               </a:rPr>
               <a:t> </a:t>
             </a:r>
             <a:r>
-              <a:rPr lang="uk-UA" sz="2400" dirty="0" err="1" smtClean="0">
+              <a:rPr lang="uk-UA" sz="1800" dirty="0" err="1">
                 <a:latin typeface="Calibri" pitchFamily="34" charset="0"/>
               </a:rPr>
               <a:t>ссылку</a:t>
             </a:r>
             <a:r>
-              <a:rPr lang="uk-UA" sz="2400" dirty="0" smtClean="0">
+              <a:rPr lang="uk-UA" sz="1800" dirty="0">
                 <a:latin typeface="Calibri" pitchFamily="34" charset="0"/>
               </a:rPr>
               <a:t> на </a:t>
             </a:r>
             <a:r>
-              <a:rPr lang="en-US" sz="2400" dirty="0" smtClean="0">
+              <a:rPr lang="en-US" sz="1800" dirty="0">
                 <a:latin typeface="Calibri" pitchFamily="34" charset="0"/>
               </a:rPr>
               <a:t>DOM </a:t>
             </a:r>
             <a:r>
-              <a:rPr lang="uk-UA" sz="2400" dirty="0" err="1" smtClean="0">
+              <a:rPr lang="uk-UA" sz="1800" dirty="0" err="1">
                 <a:latin typeface="Calibri" pitchFamily="34" charset="0"/>
               </a:rPr>
               <a:t>объект</a:t>
             </a:r>
             <a:r>
-              <a:rPr lang="uk-UA" sz="2400" dirty="0" smtClean="0">
+              <a:rPr lang="uk-UA" sz="1800" dirty="0">
+                <a:latin typeface="Calibri" pitchFamily="34" charset="0"/>
+              </a:rPr>
+              <a:t> </a:t>
+            </a:r>
+            <a:r>
+              <a:rPr lang="en-US" sz="1800" dirty="0">
+                <a:latin typeface="Calibri" pitchFamily="34" charset="0"/>
+              </a:rPr>
+              <a:t>window.</a:t>
+            </a:r>
+          </a:p>
+          <a:p>
+            <a:r>
+              <a:rPr lang="en-US" sz="1800" b="1" dirty="0">
+                <a:latin typeface="Calibri" pitchFamily="34" charset="0"/>
+              </a:rPr>
+              <a:t>$document</a:t>
+            </a:r>
+            <a:r>
+              <a:rPr lang="en-US" sz="1800" dirty="0">
                 <a:latin typeface="Calibri" pitchFamily="34" charset="0"/>
               </a:rPr>
               <a:t> -</a:t>
             </a:r>
             <a:r>
-              <a:rPr lang="en-US" sz="2400" dirty="0" smtClean="0">
-                <a:latin typeface="Calibri" pitchFamily="34" charset="0"/>
-              </a:rPr>
-              <a:t>window.</a:t>
-            </a:r>
-          </a:p>
-          <a:p>
-            <a:r>
-              <a:rPr lang="en-US" sz="2400" dirty="0" smtClean="0">
-                <a:latin typeface="Calibri" pitchFamily="34" charset="0"/>
-              </a:rPr>
-              <a:t>•$document -</a:t>
-            </a:r>
-            <a:r>
-              <a:rPr lang="uk-UA" sz="2400" dirty="0" err="1" smtClean="0">
+              <a:rPr lang="ru-RU" sz="1800" dirty="0">
+                <a:latin typeface="Calibri" pitchFamily="34" charset="0"/>
+              </a:rPr>
+              <a:t> </a:t>
+            </a:r>
+            <a:r>
+              <a:rPr lang="uk-UA" sz="1800" dirty="0" err="1">
                 <a:latin typeface="Calibri" pitchFamily="34" charset="0"/>
               </a:rPr>
               <a:t>представляет</a:t>
             </a:r>
             <a:r>
-              <a:rPr lang="uk-UA" sz="2400" dirty="0" smtClean="0">
+              <a:rPr lang="uk-UA" sz="1800" dirty="0">
                 <a:latin typeface="Calibri" pitchFamily="34" charset="0"/>
               </a:rPr>
               <a:t> </a:t>
             </a:r>
             <a:r>
-              <a:rPr lang="en-US" sz="2400" dirty="0" err="1" smtClean="0">
+              <a:rPr lang="en-US" sz="1800" dirty="0" err="1">
                 <a:latin typeface="Calibri" pitchFamily="34" charset="0"/>
               </a:rPr>
               <a:t>jqLite</a:t>
             </a:r>
             <a:r>
-              <a:rPr lang="uk-UA" sz="2400" dirty="0" err="1" smtClean="0">
+              <a:rPr lang="uk-UA" sz="1800" dirty="0" err="1">
                 <a:latin typeface="Calibri" pitchFamily="34" charset="0"/>
               </a:rPr>
               <a:t>объект</a:t>
             </a:r>
             <a:r>
-              <a:rPr lang="uk-UA" sz="2400" dirty="0" smtClean="0">
+              <a:rPr lang="uk-UA" sz="1800" dirty="0">
                 <a:latin typeface="Calibri" pitchFamily="34" charset="0"/>
               </a:rPr>
               <a:t>, </a:t>
             </a:r>
             <a:r>
-              <a:rPr lang="uk-UA" sz="2400" dirty="0" err="1" smtClean="0">
+              <a:rPr lang="uk-UA" sz="1800" dirty="0" err="1">
                 <a:latin typeface="Calibri" pitchFamily="34" charset="0"/>
               </a:rPr>
               <a:t>который</a:t>
             </a:r>
             <a:r>
-              <a:rPr lang="uk-UA" sz="2400" dirty="0" smtClean="0">
+              <a:rPr lang="uk-UA" sz="1800" dirty="0">
                 <a:latin typeface="Calibri" pitchFamily="34" charset="0"/>
               </a:rPr>
               <a:t> </a:t>
             </a:r>
             <a:r>
-              <a:rPr lang="uk-UA" sz="2400" dirty="0" err="1" smtClean="0">
+              <a:rPr lang="uk-UA" sz="1800" dirty="0" err="1">
                 <a:latin typeface="Calibri" pitchFamily="34" charset="0"/>
               </a:rPr>
               <a:t>содержит</a:t>
             </a:r>
             <a:r>
-              <a:rPr lang="uk-UA" sz="2400" dirty="0" smtClean="0">
+              <a:rPr lang="uk-UA" sz="1800" dirty="0">
                 <a:latin typeface="Calibri" pitchFamily="34" charset="0"/>
               </a:rPr>
               <a:t> </a:t>
             </a:r>
             <a:r>
-              <a:rPr lang="en-US" sz="2400" dirty="0" smtClean="0">
+              <a:rPr lang="en-US" sz="1800" dirty="0">
                 <a:latin typeface="Calibri" pitchFamily="34" charset="0"/>
               </a:rPr>
               <a:t>DOM </a:t>
             </a:r>
             <a:r>
-              <a:rPr lang="uk-UA" sz="2400" dirty="0" err="1" smtClean="0">
+              <a:rPr lang="uk-UA" sz="1800" dirty="0" err="1">
                 <a:latin typeface="Calibri" pitchFamily="34" charset="0"/>
               </a:rPr>
               <a:t>объект</a:t>
             </a:r>
             <a:r>
-              <a:rPr lang="uk-UA" sz="2400" dirty="0" smtClean="0">
+              <a:rPr lang="uk-UA" sz="1800" dirty="0">
                 <a:latin typeface="Calibri" pitchFamily="34" charset="0"/>
               </a:rPr>
               <a:t> </a:t>
             </a:r>
             <a:r>
-              <a:rPr lang="en-US" sz="2400" dirty="0" err="1" smtClean="0">
+              <a:rPr lang="en-US" sz="1800" dirty="0" err="1">
                 <a:latin typeface="Calibri" pitchFamily="34" charset="0"/>
               </a:rPr>
               <a:t>window.document</a:t>
             </a:r>
             <a:r>
-              <a:rPr lang="en-US" sz="2400" dirty="0" smtClean="0">
+              <a:rPr lang="en-US" sz="1800" dirty="0">
                 <a:latin typeface="Calibri" pitchFamily="34" charset="0"/>
               </a:rPr>
               <a:t>.</a:t>
@@ -2747,43 +2979,55 @@
           </a:p>
           <a:p>
             <a:r>
-              <a:rPr lang="en-US" sz="2400" dirty="0" smtClean="0">
-                <a:latin typeface="Calibri" pitchFamily="34" charset="0"/>
-              </a:rPr>
-              <a:t>•$interval -</a:t>
-            </a:r>
-            <a:r>
-              <a:rPr lang="uk-UA" sz="2400" dirty="0" err="1" smtClean="0">
+              <a:rPr lang="en-US" sz="1800" b="1" dirty="0">
+                <a:latin typeface="Calibri" pitchFamily="34" charset="0"/>
+              </a:rPr>
+              <a:t>$interval</a:t>
+            </a:r>
+            <a:r>
+              <a:rPr lang="en-US" sz="1800" dirty="0">
+                <a:latin typeface="Calibri" pitchFamily="34" charset="0"/>
+              </a:rPr>
+              <a:t> -</a:t>
+            </a:r>
+            <a:r>
+              <a:rPr lang="ru-RU" sz="1800" dirty="0">
+                <a:latin typeface="Calibri" pitchFamily="34" charset="0"/>
+              </a:rPr>
+              <a:t> </a:t>
+            </a:r>
+            <a:r>
+              <a:rPr lang="uk-UA" sz="1800" dirty="0" err="1">
                 <a:latin typeface="Calibri" pitchFamily="34" charset="0"/>
               </a:rPr>
               <a:t>обертка</a:t>
             </a:r>
             <a:r>
-              <a:rPr lang="uk-UA" sz="2400" dirty="0" smtClean="0">
+              <a:rPr lang="uk-UA" sz="1800" dirty="0">
                 <a:latin typeface="Calibri" pitchFamily="34" charset="0"/>
               </a:rPr>
               <a:t> над </a:t>
             </a:r>
             <a:r>
-              <a:rPr lang="en-US" sz="2400" dirty="0" err="1" smtClean="0">
+              <a:rPr lang="en-US" sz="1800" dirty="0" err="1">
                 <a:latin typeface="Calibri" pitchFamily="34" charset="0"/>
               </a:rPr>
               <a:t>window.setInterval</a:t>
             </a:r>
             <a:r>
-              <a:rPr lang="en-US" sz="2400" dirty="0" smtClean="0">
+              <a:rPr lang="en-US" sz="1800" dirty="0">
                 <a:latin typeface="Calibri" pitchFamily="34" charset="0"/>
               </a:rPr>
               <a:t>()</a:t>
             </a:r>
             <a:r>
-              <a:rPr lang="uk-UA" sz="2400" dirty="0" err="1" smtClean="0">
+              <a:rPr lang="uk-UA" sz="1800" dirty="0" err="1">
                 <a:latin typeface="Calibri" pitchFamily="34" charset="0"/>
               </a:rPr>
               <a:t>функцией</a:t>
             </a:r>
             <a:r>
-              <a:rPr lang="uk-UA" sz="2400" dirty="0" smtClean="0">
+              <a:rPr lang="uk-UA" sz="1800" dirty="0">
                 <a:latin typeface="Calibri" pitchFamily="34" charset="0"/>
               </a:rPr>
               <a:t>.</a:t>
@@ -2791,43 +3035,49 @@
           </a:p>
           <a:p>
             <a:r>
-              <a:rPr lang="uk-UA" sz="2400" dirty="0" smtClean="0">
-                <a:latin typeface="Calibri" pitchFamily="34" charset="0"/>
-              </a:rPr>
-              <a:t>•$</a:t>
-            </a:r>
-            <a:r>
-              <a:rPr lang="en-US" sz="2400" dirty="0" err="1" smtClean="0">
-                <a:latin typeface="Calibri" pitchFamily="34" charset="0"/>
-              </a:rPr>
-              <a:t>timeOut</a:t>
-            </a:r>
-            <a:r>
-              <a:rPr lang="en-US" sz="2400" dirty="0" smtClean="0">
-                <a:latin typeface="Calibri" pitchFamily="34" charset="0"/>
-              </a:rPr>
-              <a:t>-</a:t>
-            </a:r>
-            <a:r>
-              <a:rPr lang="uk-UA" sz="2400" dirty="0" err="1" smtClean="0">
+              <a:rPr lang="uk-UA" sz="1800" b="1" dirty="0">
+                <a:latin typeface="Calibri" pitchFamily="34" charset="0"/>
+              </a:rPr>
+              <a:t>$</a:t>
+            </a:r>
+            <a:r>
+              <a:rPr lang="en-US" sz="1800" b="1" dirty="0">
+                <a:latin typeface="Calibri" pitchFamily="34" charset="0"/>
+              </a:rPr>
+              <a:t>timeout</a:t>
+            </a:r>
+            <a:r>
+              <a:rPr lang="en-US" sz="1800" dirty="0">
+                <a:latin typeface="Calibri" pitchFamily="34" charset="0"/>
+              </a:rPr>
+              <a:t> -</a:t>
+            </a:r>
+            <a:r>
+              <a:rPr lang="ru-RU" sz="1800" dirty="0">
+                <a:latin typeface="Calibri" pitchFamily="34" charset="0"/>
+              </a:rPr>
+              <a:t> </a:t>
+            </a:r>
+            <a:r>
+              <a:rPr lang="uk-UA" sz="1800" dirty="0" err="1">
                 <a:latin typeface="Calibri" pitchFamily="34" charset="0"/>
               </a:rPr>
               <a:t>обертка</a:t>
             </a:r>
             <a:r>
-              <a:rPr lang="uk-UA" sz="2400" dirty="0" smtClean="0">
+              <a:rPr lang="uk-UA" sz="1800" dirty="0">
                 <a:latin typeface="Calibri" pitchFamily="34" charset="0"/>
               </a:rPr>
               <a:t> над </a:t>
             </a:r>
             <a:r>
-              <a:rPr lang="en-US" sz="2400" dirty="0" err="1" smtClean="0">
+              <a:rPr lang="en-US" sz="1800" dirty="0" err="1">
                 <a:latin typeface="Calibri" pitchFamily="34" charset="0"/>
               </a:rPr>
               <a:t>window.setTimeout</a:t>
             </a:r>
             <a:r>
-              <a:rPr lang="en-US" sz="2400" dirty="0" smtClean="0">
+              <a:rPr lang="en-US" sz="1800" dirty="0">
                 <a:latin typeface="Calibri" pitchFamily="34" charset="0"/>
               </a:rPr>
               <a:t>().</a:t>
@@ -2835,37 +3085,43 @@
           </a:p>
           <a:p>
             <a:r>
-              <a:rPr lang="en-US" sz="2400" dirty="0" smtClean="0">
-                <a:latin typeface="Calibri" pitchFamily="34" charset="0"/>
-              </a:rPr>
-              <a:t>•$location -</a:t>
-            </a:r>
-            <a:r>
-              <a:rPr lang="uk-UA" sz="2400" dirty="0" err="1" smtClean="0">
+              <a:rPr lang="en-US" sz="1800" b="1" dirty="0">
+                <a:latin typeface="Calibri" pitchFamily="34" charset="0"/>
+              </a:rPr>
+              <a:t>$location</a:t>
+            </a:r>
+            <a:r>
+              <a:rPr lang="en-US" sz="1800" dirty="0">
+                <a:latin typeface="Calibri" pitchFamily="34" charset="0"/>
+              </a:rPr>
+              <a:t> - </a:t>
+            </a:r>
+            <a:r>
+              <a:rPr lang="uk-UA" sz="1800" dirty="0" err="1">
                 <a:latin typeface="Calibri" pitchFamily="34" charset="0"/>
               </a:rPr>
               <a:t>обертка</a:t>
             </a:r>
             <a:r>
-              <a:rPr lang="uk-UA" sz="2400" dirty="0" smtClean="0">
+              <a:rPr lang="uk-UA" sz="1800" dirty="0">
                 <a:latin typeface="Calibri" pitchFamily="34" charset="0"/>
               </a:rPr>
               <a:t> над </a:t>
             </a:r>
             <a:r>
-              <a:rPr lang="uk-UA" sz="2400" dirty="0" err="1" smtClean="0">
+              <a:rPr lang="uk-UA" sz="1800" dirty="0" err="1">
                 <a:latin typeface="Calibri" pitchFamily="34" charset="0"/>
               </a:rPr>
               <a:t>объектом</a:t>
             </a:r>
             <a:r>
-              <a:rPr lang="uk-UA" sz="2400" dirty="0" smtClean="0">
+              <a:rPr lang="uk-UA" sz="1800" dirty="0">
                 <a:latin typeface="Calibri" pitchFamily="34" charset="0"/>
               </a:rPr>
               <a:t> </a:t>
             </a:r>
             <a:r>
-              <a:rPr lang="en-US" sz="2400" dirty="0" smtClean="0">
+              <a:rPr lang="en-US" sz="1800" dirty="0">
                 <a:latin typeface="Calibri" pitchFamily="34" charset="0"/>
               </a:rPr>
               <a:t>location.</a:t>
@@ -2873,55 +3129,61 @@
           </a:p>
           <a:p>
             <a:r>
-              <a:rPr lang="en-US" sz="2400" dirty="0" smtClean="0">
-                <a:latin typeface="Calibri" pitchFamily="34" charset="0"/>
-              </a:rPr>
-              <a:t>•$</a:t>
-            </a:r>
-            <a:r>
-              <a:rPr lang="en-US" sz="2400" dirty="0" err="1" smtClean="0">
+              <a:rPr lang="en-US" sz="1800" b="1" dirty="0">
+                <a:latin typeface="Calibri" pitchFamily="34" charset="0"/>
+              </a:rPr>
+              <a:t>$</a:t>
+            </a:r>
+            <a:r>
+              <a:rPr lang="en-US" sz="1800" b="1" dirty="0" err="1">
                 <a:latin typeface="Calibri" pitchFamily="34" charset="0"/>
               </a:rPr>
               <a:t>anchorScroll</a:t>
             </a:r>
             <a:r>
-              <a:rPr lang="en-US" sz="2400" dirty="0" smtClean="0">
-                <a:latin typeface="Calibri" pitchFamily="34" charset="0"/>
-              </a:rPr>
-              <a:t>-</a:t>
-            </a:r>
-            <a:r>
-              <a:rPr lang="uk-UA" sz="2400" dirty="0" err="1" smtClean="0">
-                <a:latin typeface="Calibri" pitchFamily="34" charset="0"/>
-              </a:rPr>
-              <a:t>Используется</a:t>
-            </a:r>
-            <a:r>
-              <a:rPr lang="uk-UA" sz="2400" dirty="0" smtClean="0">
+              <a:rPr lang="en-US" sz="1800" dirty="0">
+                <a:latin typeface="Calibri" pitchFamily="34" charset="0"/>
+              </a:rPr>
+              <a:t> - </a:t>
+            </a:r>
+            <a:r>
+              <a:rPr lang="ru-RU" sz="1800" dirty="0" err="1">
+                <a:latin typeface="Calibri" pitchFamily="34" charset="0"/>
+              </a:rPr>
+              <a:t>и</a:t>
+            </a:r>
+            <a:r>
+              <a:rPr lang="uk-UA" sz="1800" dirty="0" err="1">
+                <a:latin typeface="Calibri" pitchFamily="34" charset="0"/>
+              </a:rPr>
+              <a:t>спользуется</a:t>
+            </a:r>
+            <a:r>
+              <a:rPr lang="uk-UA" sz="1800" dirty="0">
                 <a:latin typeface="Calibri" pitchFamily="34" charset="0"/>
               </a:rPr>
               <a:t> для </a:t>
             </a:r>
             <a:r>
-              <a:rPr lang="uk-UA" sz="2400" dirty="0" err="1" smtClean="0">
+              <a:rPr lang="uk-UA" sz="1800" dirty="0" err="1">
                 <a:latin typeface="Calibri" pitchFamily="34" charset="0"/>
               </a:rPr>
               <a:t>скроллаокна</a:t>
             </a:r>
             <a:r>
-              <a:rPr lang="uk-UA" sz="2400" dirty="0" smtClean="0">
+              <a:rPr lang="uk-UA" sz="1800" dirty="0">
                 <a:latin typeface="Calibri" pitchFamily="34" charset="0"/>
               </a:rPr>
               <a:t> браузера до </a:t>
             </a:r>
             <a:r>
-              <a:rPr lang="uk-UA" sz="2400" dirty="0" err="1" smtClean="0">
+              <a:rPr lang="uk-UA" sz="1800" dirty="0" err="1">
                 <a:latin typeface="Calibri" pitchFamily="34" charset="0"/>
               </a:rPr>
               <a:t>определенного</a:t>
             </a:r>
             <a:r>
-              <a:rPr lang="uk-UA" sz="2400" dirty="0" smtClean="0">
+              <a:rPr lang="uk-UA" sz="1800" dirty="0">
                 <a:latin typeface="Calibri" pitchFamily="34" charset="0"/>
               </a:rPr>
               <a:t> якоря.</a:t>
@@ -2929,50 +3191,56 @@
           </a:p>
           <a:p>
             <a:r>
-              <a:rPr lang="uk-UA" sz="2400" dirty="0" smtClean="0">
-                <a:latin typeface="Calibri" pitchFamily="34" charset="0"/>
-              </a:rPr>
-              <a:t>•$</a:t>
-            </a:r>
-            <a:r>
-              <a:rPr lang="en-US" sz="2400" dirty="0" smtClean="0">
-                <a:latin typeface="Calibri" pitchFamily="34" charset="0"/>
-              </a:rPr>
-              <a:t>log -</a:t>
-            </a:r>
-            <a:r>
-              <a:rPr lang="uk-UA" sz="2400" dirty="0" err="1" smtClean="0">
+              <a:rPr lang="uk-UA" sz="1800" b="1" dirty="0">
+                <a:latin typeface="Calibri" pitchFamily="34" charset="0"/>
+              </a:rPr>
+              <a:t>$</a:t>
+            </a:r>
+            <a:r>
+              <a:rPr lang="en-US" sz="1800" b="1" dirty="0">
+                <a:latin typeface="Calibri" pitchFamily="34" charset="0"/>
+              </a:rPr>
+              <a:t>log</a:t>
+            </a:r>
+            <a:r>
+              <a:rPr lang="en-US" sz="1800" dirty="0">
+                <a:latin typeface="Calibri" pitchFamily="34" charset="0"/>
+              </a:rPr>
+              <a:t> - </a:t>
+            </a:r>
+            <a:r>
+              <a:rPr lang="uk-UA" sz="1800" dirty="0" err="1">
                 <a:latin typeface="Calibri" pitchFamily="34" charset="0"/>
               </a:rPr>
               <a:t>обертка</a:t>
             </a:r>
             <a:r>
-              <a:rPr lang="uk-UA" sz="2400" dirty="0" smtClean="0">
+              <a:rPr lang="uk-UA" sz="1800" dirty="0">
                 <a:latin typeface="Calibri" pitchFamily="34" charset="0"/>
               </a:rPr>
               <a:t> над </a:t>
             </a:r>
             <a:r>
-              <a:rPr lang="en-US" sz="2400" dirty="0" err="1" smtClean="0">
-                <a:latin typeface="Calibri" pitchFamily="34" charset="0"/>
-              </a:rPr>
-              <a:t>globalconsole</a:t>
-            </a:r>
-            <a:r>
-              <a:rPr lang="uk-UA" sz="2400" dirty="0" err="1" smtClean="0">
+              <a:rPr lang="en-US" sz="1800" dirty="0">
+                <a:latin typeface="Calibri" pitchFamily="34" charset="0"/>
+              </a:rPr>
+              <a:t>global console </a:t>
+            </a:r>
+            <a:r>
+              <a:rPr lang="uk-UA" sz="1800" dirty="0" err="1">
                 <a:latin typeface="Calibri" pitchFamily="34" charset="0"/>
               </a:rPr>
               <a:t>объектом</a:t>
             </a:r>
             <a:r>
-              <a:rPr lang="uk-UA" sz="2400" dirty="0" smtClean="0">
+              <a:rPr lang="uk-UA" sz="1800" dirty="0">
                 <a:latin typeface="Calibri" pitchFamily="34" charset="0"/>
               </a:rPr>
               <a:t>.</a:t>
             </a:r>
           </a:p>
           <a:p>
-            <a:endParaRPr lang="uk-UA" sz="2400" dirty="0">
+            <a:endParaRPr lang="uk-UA" sz="1800" dirty="0">
               <a:latin typeface="Calibri" pitchFamily="34" charset="0"/>
             </a:endParaRPr>
           </a:p>
@@ -3019,31 +3287,31 @@
           <a:lstStyle/>
           <a:p>
             <a:r>
-              <a:rPr lang="uk-UA" dirty="0" err="1" smtClean="0">
+              <a:rPr lang="uk-UA" dirty="0" err="1">
                 <a:latin typeface="Calibri" pitchFamily="34" charset="0"/>
               </a:rPr>
               <a:t>Сервисы</a:t>
             </a:r>
             <a:r>
-              <a:rPr lang="uk-UA" dirty="0" smtClean="0">
+              <a:rPr lang="uk-UA" dirty="0">
                 <a:latin typeface="Calibri" pitchFamily="34" charset="0"/>
               </a:rPr>
               <a:t> для </a:t>
             </a:r>
             <a:r>
-              <a:rPr lang="uk-UA" dirty="0" err="1" smtClean="0">
+              <a:rPr lang="uk-UA" dirty="0" err="1">
                 <a:latin typeface="Calibri" pitchFamily="34" charset="0"/>
               </a:rPr>
               <a:t>выполнения</a:t>
             </a:r>
             <a:r>
-              <a:rPr lang="uk-UA" dirty="0" smtClean="0">
+              <a:rPr lang="uk-UA" dirty="0">
                 <a:latin typeface="Calibri" pitchFamily="34" charset="0"/>
               </a:rPr>
               <a:t> </a:t>
             </a:r>
             <a:r>
-              <a:rPr lang="uk-UA" dirty="0" err="1" smtClean="0">
+              <a:rPr lang="uk-UA" dirty="0" err="1">
                 <a:latin typeface="Calibri" pitchFamily="34" charset="0"/>
               </a:rPr>
               <a:t>выражений</a:t>
@@ -3066,8 +3334,8 @@
         </p:nvSpPr>
         <p:spPr>
           <a:xfrm>
-            <a:off x="323528" y="2006600"/>
-            <a:ext cx="7848872" cy="2946400"/>
+            <a:off x="457200" y="2006600"/>
+            <a:ext cx="7715200" cy="2946400"/>
           </a:xfrm>
         </p:spPr>
         <p:txBody>
@@ -3075,190 +3343,200 @@
           <a:lstStyle/>
           <a:p>
             <a:r>
-              <a:rPr lang="ru-RU" sz="2000" dirty="0" smtClean="0">
-                <a:latin typeface="Calibri" pitchFamily="34" charset="0"/>
-              </a:rPr>
-              <a:t>•</a:t>
-            </a:r>
-            <a:r>
-              <a:rPr lang="ru-RU" sz="2000" b="1" dirty="0" smtClean="0">
-                <a:latin typeface="Calibri" pitchFamily="34" charset="0"/>
-              </a:rPr>
-              <a:t>$parse-</a:t>
-            </a:r>
-            <a:r>
-              <a:rPr lang="ru-RU" sz="2000" dirty="0" smtClean="0">
-                <a:latin typeface="Calibri" pitchFamily="34" charset="0"/>
-              </a:rPr>
-              <a:t>преобразовывает выражение (например, “</a:t>
-            </a:r>
-            <a:r>
-              <a:rPr lang="ru-RU" sz="2000" dirty="0" err="1" smtClean="0">
+              <a:rPr lang="ru-RU" sz="1800" b="1" dirty="0">
+                <a:latin typeface="Calibri" pitchFamily="34" charset="0"/>
+              </a:rPr>
+              <a:t>$</a:t>
+            </a:r>
+            <a:r>
+              <a:rPr lang="ru-RU" sz="1800" b="1" dirty="0" err="1">
+                <a:latin typeface="Calibri" pitchFamily="34" charset="0"/>
+              </a:rPr>
+              <a:t>parse</a:t>
+            </a:r>
+            <a:r>
+              <a:rPr lang="ru-RU" sz="1800" b="1" dirty="0">
+                <a:latin typeface="Calibri" pitchFamily="34" charset="0"/>
+              </a:rPr>
+              <a:t> </a:t>
+            </a:r>
+            <a:r>
+              <a:rPr lang="ru-RU" sz="1800" dirty="0">
+                <a:latin typeface="Calibri" pitchFamily="34" charset="0"/>
+              </a:rPr>
+              <a:t>- преобразовывает выражение (например, “</a:t>
+            </a:r>
+            <a:r>
+              <a:rPr lang="ru-RU" sz="1800" dirty="0" err="1">
                 <a:latin typeface="Calibri" pitchFamily="34" charset="0"/>
               </a:rPr>
               <a:t>price</a:t>
             </a:r>
             <a:r>
-              <a:rPr lang="ru-RU" sz="2000" dirty="0" smtClean="0">
+              <a:rPr lang="ru-RU" sz="1800" dirty="0">
                 <a:latin typeface="Calibri" pitchFamily="34" charset="0"/>
               </a:rPr>
               <a:t> | </a:t>
             </a:r>
             <a:r>
-              <a:rPr lang="ru-RU" sz="2000" dirty="0" err="1" smtClean="0">
+              <a:rPr lang="ru-RU" sz="1800" dirty="0" err="1">
                 <a:latin typeface="Calibri" pitchFamily="34" charset="0"/>
               </a:rPr>
               <a:t>currency</a:t>
             </a:r>
             <a:r>
-              <a:rPr lang="ru-RU" sz="2000" dirty="0" smtClean="0">
-                <a:latin typeface="Calibri" pitchFamily="34" charset="0"/>
-              </a:rPr>
-              <a:t>”) в функцию которую можно выполнить</a:t>
-            </a:r>
-            <a:r>
-              <a:rPr lang="ru-RU" sz="2000" dirty="0" smtClean="0">
-                <a:latin typeface="Calibri" pitchFamily="34" charset="0"/>
-              </a:rPr>
-              <a:t>.</a:t>
-            </a:r>
-          </a:p>
-          <a:p>
-            <a:endParaRPr lang="ru-RU" sz="2000" dirty="0" smtClean="0">
+              <a:rPr lang="ru-RU" sz="1800" dirty="0">
+                <a:latin typeface="Calibri" pitchFamily="34" charset="0"/>
+              </a:rPr>
+              <a:t>”) в функцию которую можно выполнить.</a:t>
+            </a:r>
+          </a:p>
+          <a:p>
+            <a:endParaRPr lang="ru-RU" sz="1800" dirty="0">
               <a:latin typeface="Calibri" pitchFamily="34" charset="0"/>
             </a:endParaRPr>
           </a:p>
           <a:p>
             <a:r>
-              <a:rPr lang="ru-RU" sz="2000" dirty="0" smtClean="0">
-                <a:latin typeface="Calibri" pitchFamily="34" charset="0"/>
-              </a:rPr>
-              <a:t>•</a:t>
-            </a:r>
-            <a:r>
-              <a:rPr lang="ru-RU" sz="2000" b="1" dirty="0" smtClean="0">
+              <a:rPr lang="ru-RU" sz="1800" b="1" dirty="0">
                 <a:latin typeface="Calibri" pitchFamily="34" charset="0"/>
               </a:rPr>
               <a:t>$</a:t>
             </a:r>
             <a:r>
-              <a:rPr lang="ru-RU" sz="2000" b="1" dirty="0" err="1" smtClean="0">
+              <a:rPr lang="ru-RU" sz="1800" b="1" dirty="0" err="1">
                 <a:latin typeface="Calibri" pitchFamily="34" charset="0"/>
               </a:rPr>
               <a:t>interpolate</a:t>
             </a:r>
             <a:r>
-              <a:rPr lang="ru-RU" sz="2000" b="1" dirty="0" smtClean="0">
-                <a:latin typeface="Calibri" pitchFamily="34" charset="0"/>
-              </a:rPr>
-              <a:t> -</a:t>
-            </a:r>
-            <a:r>
-              <a:rPr lang="ru-RU" sz="2000" dirty="0" smtClean="0">
+              <a:rPr lang="ru-RU" sz="1800" b="1" dirty="0">
+                <a:latin typeface="Calibri" pitchFamily="34" charset="0"/>
+              </a:rPr>
+              <a:t> </a:t>
+            </a:r>
+            <a:r>
+              <a:rPr lang="ru-RU" sz="1800" dirty="0">
+                <a:latin typeface="Calibri" pitchFamily="34" charset="0"/>
+              </a:rPr>
+              <a:t>-</a:t>
+            </a:r>
+            <a:r>
+              <a:rPr lang="ru-RU" sz="1800" b="1" dirty="0">
+                <a:latin typeface="Calibri" pitchFamily="34" charset="0"/>
+              </a:rPr>
+              <a:t> </a:t>
+            </a:r>
+            <a:r>
+              <a:rPr lang="ru-RU" sz="1800" dirty="0">
                 <a:latin typeface="Calibri" pitchFamily="34" charset="0"/>
               </a:rPr>
               <a:t>преобразовывает строку с выражениями привязки в функцию (например, “</a:t>
             </a:r>
             <a:r>
-              <a:rPr lang="ru-RU" sz="2000" dirty="0" err="1" smtClean="0">
+              <a:rPr lang="ru-RU" sz="1800" dirty="0" err="1">
                 <a:latin typeface="Calibri" pitchFamily="34" charset="0"/>
               </a:rPr>
               <a:t>price</a:t>
             </a:r>
             <a:r>
-              <a:rPr lang="ru-RU" sz="2000" dirty="0" smtClean="0">
+              <a:rPr lang="ru-RU" sz="1800" dirty="0">
                 <a:latin typeface="Calibri" pitchFamily="34" charset="0"/>
               </a:rPr>
               <a:t> </a:t>
             </a:r>
             <a:r>
-              <a:rPr lang="ru-RU" sz="2000" dirty="0" err="1" smtClean="0">
+              <a:rPr lang="ru-RU" sz="1800" dirty="0" err="1">
                 <a:latin typeface="Calibri" pitchFamily="34" charset="0"/>
               </a:rPr>
               <a:t>of</a:t>
             </a:r>
             <a:r>
-              <a:rPr lang="ru-RU" sz="2000" dirty="0" smtClean="0">
+              <a:rPr lang="ru-RU" sz="1800" dirty="0">
                 <a:latin typeface="Calibri" pitchFamily="34" charset="0"/>
               </a:rPr>
               <a:t> </a:t>
             </a:r>
             <a:r>
-              <a:rPr lang="ru-RU" sz="2000" dirty="0" err="1" smtClean="0">
+              <a:rPr lang="ru-RU" sz="1800" dirty="0" err="1">
                 <a:latin typeface="Calibri" pitchFamily="34" charset="0"/>
               </a:rPr>
               <a:t>item</a:t>
             </a:r>
             <a:r>
-              <a:rPr lang="ru-RU" sz="2000" dirty="0" smtClean="0">
+              <a:rPr lang="ru-RU" sz="1800" dirty="0">
                 <a:latin typeface="Calibri" pitchFamily="34" charset="0"/>
               </a:rPr>
               <a:t> {{ </a:t>
             </a:r>
             <a:r>
-              <a:rPr lang="ru-RU" sz="2000" dirty="0" err="1" smtClean="0">
+              <a:rPr lang="ru-RU" sz="1800" dirty="0" err="1">
                 <a:latin typeface="Calibri" pitchFamily="34" charset="0"/>
               </a:rPr>
               <a:t>price</a:t>
             </a:r>
             <a:r>
-              <a:rPr lang="ru-RU" sz="2000" dirty="0" smtClean="0">
+              <a:rPr lang="ru-RU" sz="1800" dirty="0">
                 <a:latin typeface="Calibri" pitchFamily="34" charset="0"/>
               </a:rPr>
               <a:t> | </a:t>
             </a:r>
             <a:r>
-              <a:rPr lang="ru-RU" sz="2000" dirty="0" err="1" smtClean="0">
+              <a:rPr lang="ru-RU" sz="1800" dirty="0" err="1">
                 <a:latin typeface="Calibri" pitchFamily="34" charset="0"/>
               </a:rPr>
               <a:t>currency</a:t>
             </a:r>
             <a:r>
-              <a:rPr lang="ru-RU" sz="2000" dirty="0" smtClean="0">
+              <a:rPr lang="ru-RU" sz="1800" dirty="0">
                 <a:latin typeface="Calibri" pitchFamily="34" charset="0"/>
               </a:rPr>
               <a:t>}}”) </a:t>
             </a:r>
           </a:p>
           <a:p>
-            <a:endParaRPr lang="ru-RU" sz="2000" dirty="0" smtClean="0">
+            <a:endParaRPr lang="ru-RU" sz="1800" dirty="0">
               <a:latin typeface="Calibri" pitchFamily="34" charset="0"/>
             </a:endParaRPr>
           </a:p>
           <a:p>
             <a:r>
-              <a:rPr lang="ru-RU" sz="2000" dirty="0" smtClean="0">
-                <a:latin typeface="Calibri" pitchFamily="34" charset="0"/>
-              </a:rPr>
-              <a:t>•</a:t>
-            </a:r>
-            <a:r>
-              <a:rPr lang="ru-RU" sz="2000" b="1" dirty="0" smtClean="0">
-                <a:latin typeface="Calibri" pitchFamily="34" charset="0"/>
-              </a:rPr>
-              <a:t>$compile-</a:t>
-            </a:r>
-            <a:r>
-              <a:rPr lang="ru-RU" sz="2000" dirty="0" smtClean="0">
-                <a:latin typeface="Calibri" pitchFamily="34" charset="0"/>
-              </a:rPr>
-              <a:t>преобразовывает строку в функцию для компиляции разметки -создания </a:t>
-            </a:r>
-            <a:r>
-              <a:rPr lang="ru-RU" sz="2000" dirty="0" err="1" smtClean="0">
-                <a:latin typeface="Calibri" pitchFamily="34" charset="0"/>
-              </a:rPr>
-              <a:t>контента</a:t>
-            </a:r>
-            <a:r>
-              <a:rPr lang="ru-RU" sz="2000" dirty="0" smtClean="0">
-                <a:latin typeface="Calibri" pitchFamily="34" charset="0"/>
-              </a:rPr>
-              <a:t> с полученными через выражения привязки данными</a:t>
-            </a:r>
-          </a:p>
-          <a:p>
-            <a:endParaRPr lang="uk-UA" sz="2000" dirty="0">
+              <a:rPr lang="ru-RU" sz="1800" b="1" dirty="0">
+                <a:latin typeface="Calibri" pitchFamily="34" charset="0"/>
+              </a:rPr>
+              <a:t>$</a:t>
+            </a:r>
+            <a:r>
+              <a:rPr lang="ru-RU" sz="1800" b="1" dirty="0" err="1">
+                <a:latin typeface="Calibri" pitchFamily="34" charset="0"/>
+              </a:rPr>
+              <a:t>compile</a:t>
+            </a:r>
+            <a:r>
+              <a:rPr lang="ru-RU" sz="1800" b="1" dirty="0">
+                <a:latin typeface="Calibri" pitchFamily="34" charset="0"/>
+              </a:rPr>
+              <a:t> </a:t>
+            </a:r>
+            <a:r>
+              <a:rPr lang="ru-RU" sz="1800" dirty="0">
+                <a:latin typeface="Calibri" pitchFamily="34" charset="0"/>
+              </a:rPr>
+              <a:t>-</a:t>
+            </a:r>
+            <a:r>
+              <a:rPr lang="ru-RU" sz="1800" b="1" dirty="0">
+                <a:latin typeface="Calibri" pitchFamily="34" charset="0"/>
+              </a:rPr>
+              <a:t> </a:t>
+            </a:r>
+            <a:r>
+              <a:rPr lang="ru-RU" sz="1800" dirty="0">
+                <a:latin typeface="Calibri" pitchFamily="34" charset="0"/>
+              </a:rPr>
+              <a:t>преобразовывает строку в функцию для компиляции разметки.</a:t>
+            </a:r>
+            <a:endParaRPr lang="uk-UA" sz="1800" dirty="0">
               <a:latin typeface="Calibri" pitchFamily="34" charset="0"/>
             </a:endParaRPr>
           </a:p>
@@ -3305,7 +3583,7 @@
           <a:lstStyle/>
           <a:p>
             <a:r>
-              <a:rPr lang="ru-RU" dirty="0" smtClean="0"/>
+              <a:rPr lang="ru-RU" dirty="0"/>
               <a:t>Сервисы для обработки ошибок</a:t>
             </a:r>
             <a:endParaRPr lang="uk-UA" dirty="0"/>
@@ -3324,8 +3602,8 @@
         </p:nvSpPr>
         <p:spPr>
           <a:xfrm>
-            <a:off x="971600" y="2204864"/>
-            <a:ext cx="7128792" cy="2946400"/>
+            <a:off x="464125" y="1418704"/>
+            <a:ext cx="7643192" cy="2946400"/>
           </a:xfrm>
         </p:spPr>
         <p:txBody>
@@ -3333,49 +3611,52 @@
           <a:lstStyle/>
           <a:p>
             <a:r>
-              <a:rPr lang="en-US" sz="2800" dirty="0" smtClean="0">
+              <a:rPr lang="en-US" sz="1800" b="1" dirty="0">
                 <a:latin typeface="Calibri" pitchFamily="34" charset="0"/>
               </a:rPr>
               <a:t>$</a:t>
             </a:r>
             <a:r>
-              <a:rPr lang="en-US" sz="2800" dirty="0" err="1" smtClean="0">
+              <a:rPr lang="en-US" sz="1800" b="1" dirty="0" err="1">
                 <a:latin typeface="Calibri" pitchFamily="34" charset="0"/>
               </a:rPr>
               <a:t>exceptionHandler</a:t>
             </a:r>
             <a:r>
-              <a:rPr lang="en-US" sz="2800" dirty="0" smtClean="0">
+              <a:rPr lang="en-US" sz="1800" dirty="0">
                 <a:latin typeface="Calibri" pitchFamily="34" charset="0"/>
               </a:rPr>
               <a:t> – </a:t>
             </a:r>
             <a:r>
-              <a:rPr lang="ru-RU" sz="2800" dirty="0" smtClean="0">
+              <a:rPr lang="ru-RU" sz="1800" dirty="0">
                 <a:latin typeface="Calibri" pitchFamily="34" charset="0"/>
               </a:rPr>
               <a:t>сервис для обработки ошибок. </a:t>
             </a:r>
           </a:p>
           <a:p>
-            <a:endParaRPr lang="ru-RU" sz="2800" dirty="0" smtClean="0">
+            <a:endParaRPr lang="ru-RU" sz="1800" dirty="0">
               <a:latin typeface="Calibri" pitchFamily="34" charset="0"/>
             </a:endParaRPr>
           </a:p>
           <a:p>
-            <a:r>
-              <a:rPr lang="ru-RU" sz="2800" dirty="0" smtClean="0">
-                <a:latin typeface="Calibri" pitchFamily="34" charset="0"/>
-              </a:rPr>
-              <a:t>Обрабатывает только необработанные ошибки (т.е. не отловленные в конструкции </a:t>
-            </a:r>
-            <a:r>
-              <a:rPr lang="en-US" sz="2800" dirty="0" smtClean="0">
+            <a:pPr marL="0" indent="0">
+              <a:buNone/>
+            </a:pPr>
+            <a:r>
+              <a:rPr lang="ru-RU" sz="1800" dirty="0">
+                <a:latin typeface="Calibri" pitchFamily="34" charset="0"/>
+              </a:rPr>
+              <a:t>Обрабатывает только необработанные ошибки (т.е. не отловленные в конструкцией </a:t>
+            </a:r>
+            <a:r>
+              <a:rPr lang="en-US" sz="1800" dirty="0">
                 <a:latin typeface="Calibri" pitchFamily="34" charset="0"/>
               </a:rPr>
               <a:t>try…catch</a:t>
             </a:r>
-            <a:endParaRPr lang="uk-UA" sz="2800" dirty="0">
+            <a:endParaRPr lang="uk-UA" sz="1800" dirty="0">
               <a:latin typeface="Calibri" pitchFamily="34" charset="0"/>
             </a:endParaRPr>
           </a:p>
@@ -3422,13 +3703,13 @@
           <a:lstStyle/>
           <a:p>
             <a:r>
-              <a:rPr lang="ru-RU" dirty="0" smtClean="0">
+              <a:rPr lang="ru-RU" dirty="0">
                 <a:latin typeface="Calibri" pitchFamily="34" charset="0"/>
               </a:rPr>
               <a:t>Сервисы для работы с </a:t>
             </a:r>
             <a:r>
-              <a:rPr lang="en-US" dirty="0" smtClean="0">
+              <a:rPr lang="en-US" dirty="0">
                 <a:latin typeface="Calibri" pitchFamily="34" charset="0"/>
               </a:rPr>
               <a:t>cookies</a:t>
@@ -3451,8 +3732,8 @@
         </p:nvSpPr>
         <p:spPr>
           <a:xfrm>
-            <a:off x="1043608" y="1412776"/>
-            <a:ext cx="7272808" cy="4680520"/>
+            <a:off x="457200" y="1412776"/>
+            <a:ext cx="7859216" cy="2664296"/>
           </a:xfrm>
         </p:spPr>
         <p:txBody>
@@ -3460,58 +3741,67 @@
           <a:lstStyle/>
           <a:p>
             <a:r>
-              <a:rPr lang="en-US" sz="2800" dirty="0" smtClean="0">
+              <a:rPr lang="en-US" sz="1800" b="1" dirty="0">
                 <a:latin typeface="Calibri" pitchFamily="34" charset="0"/>
               </a:rPr>
               <a:t>$</a:t>
             </a:r>
             <a:r>
-              <a:rPr lang="en-US" sz="2800" dirty="0" err="1" smtClean="0">
+              <a:rPr lang="en-US" sz="1800" b="1" dirty="0" err="1">
                 <a:latin typeface="Calibri" pitchFamily="34" charset="0"/>
               </a:rPr>
               <a:t>cookieStore</a:t>
             </a:r>
             <a:r>
-              <a:rPr lang="en-US" sz="2800" dirty="0" smtClean="0">
-                <a:latin typeface="Calibri" pitchFamily="34" charset="0"/>
-              </a:rPr>
-              <a:t>, $cookies – </a:t>
-            </a:r>
-            <a:r>
-              <a:rPr lang="ru-RU" sz="2800" dirty="0" smtClean="0">
+              <a:rPr lang="en-US" sz="1800" b="1" dirty="0">
+                <a:latin typeface="Calibri" pitchFamily="34" charset="0"/>
+              </a:rPr>
+              <a:t>, $cookies</a:t>
+            </a:r>
+            <a:r>
+              <a:rPr lang="en-US" sz="1800" dirty="0">
+                <a:latin typeface="Calibri" pitchFamily="34" charset="0"/>
+              </a:rPr>
+              <a:t> – </a:t>
+            </a:r>
+            <a:r>
+              <a:rPr lang="ru-RU" sz="1800" dirty="0">
                 <a:latin typeface="Calibri" pitchFamily="34" charset="0"/>
               </a:rPr>
               <a:t>сервисы для работы с </a:t>
             </a:r>
             <a:r>
-              <a:rPr lang="en-US" sz="2800" dirty="0" smtClean="0">
+              <a:rPr lang="en-US" sz="1800" dirty="0">
                 <a:latin typeface="Calibri" pitchFamily="34" charset="0"/>
               </a:rPr>
               <a:t>cookies. </a:t>
             </a:r>
-            <a:endParaRPr lang="ru-RU" sz="2800" dirty="0" smtClean="0">
+            <a:endParaRPr lang="ru-RU" sz="1800" dirty="0">
               <a:latin typeface="Calibri" pitchFamily="34" charset="0"/>
             </a:endParaRPr>
           </a:p>
           <a:p>
-            <a:endParaRPr lang="en-US" sz="2800" dirty="0" smtClean="0">
+            <a:endParaRPr lang="en-US" sz="1800" dirty="0">
               <a:latin typeface="Calibri" pitchFamily="34" charset="0"/>
             </a:endParaRPr>
           </a:p>
           <a:p>
-            <a:r>
-              <a:rPr lang="ru-RU" sz="2800" dirty="0" smtClean="0">
-                <a:latin typeface="Calibri" pitchFamily="34" charset="0"/>
-              </a:rPr>
-              <a:t>Методы</a:t>
-            </a:r>
-            <a:r>
-              <a:rPr lang="en-US" sz="2800" dirty="0" smtClean="0">
+            <a:pPr marL="0" indent="0">
+              <a:buNone/>
+            </a:pPr>
+            <a:r>
+              <a:rPr lang="ru-RU" sz="1800" dirty="0">
+                <a:latin typeface="Calibri" pitchFamily="34" charset="0"/>
+              </a:rPr>
+              <a:t>      Методы</a:t>
+            </a:r>
+            <a:r>
+              <a:rPr lang="en-US" sz="1800" dirty="0">
                 <a:latin typeface="Calibri" pitchFamily="34" charset="0"/>
               </a:rPr>
               <a:t>: </a:t>
             </a:r>
-            <a:endParaRPr lang="ru-RU" sz="2800" dirty="0" smtClean="0">
+            <a:endParaRPr lang="ru-RU" sz="1800" dirty="0">
               <a:latin typeface="Calibri" pitchFamily="34" charset="0"/>
             </a:endParaRPr>
           </a:p>
@@ -3519,111 +3809,129 @@
             <a:pPr>
               <a:buNone/>
             </a:pPr>
-            <a:endParaRPr lang="en-US" sz="2800" dirty="0" smtClean="0">
+            <a:endParaRPr lang="en-US" sz="1800" dirty="0">
               <a:latin typeface="Calibri" pitchFamily="34" charset="0"/>
             </a:endParaRPr>
           </a:p>
           <a:p>
-            <a:r>
-              <a:rPr lang="en-US" sz="2400" dirty="0" smtClean="0">
-                <a:latin typeface="Calibri" pitchFamily="34" charset="0"/>
-              </a:rPr>
-              <a:t>g</a:t>
-            </a:r>
-            <a:r>
-              <a:rPr lang="en-US" sz="2400" dirty="0" smtClean="0">
-                <a:latin typeface="Calibri" pitchFamily="34" charset="0"/>
-              </a:rPr>
-              <a:t>et(key) – </a:t>
-            </a:r>
-            <a:r>
-              <a:rPr lang="ru-RU" sz="2400" dirty="0" smtClean="0">
+            <a:pPr marL="0" indent="0">
+              <a:buNone/>
+            </a:pPr>
+            <a:r>
+              <a:rPr lang="ru-RU" sz="1800" dirty="0">
+                <a:latin typeface="Calibri" pitchFamily="34" charset="0"/>
+              </a:rPr>
+              <a:t>      </a:t>
+            </a:r>
+            <a:r>
+              <a:rPr lang="en-US" sz="1800" dirty="0">
+                <a:latin typeface="Calibri" pitchFamily="34" charset="0"/>
+              </a:rPr>
+              <a:t>get(key) – </a:t>
+            </a:r>
+            <a:r>
+              <a:rPr lang="ru-RU" sz="1800" dirty="0">
                 <a:latin typeface="Calibri" pitchFamily="34" charset="0"/>
               </a:rPr>
               <a:t>возвращает значение по ключу </a:t>
             </a:r>
             <a:r>
-              <a:rPr lang="en-US" sz="2400" dirty="0" smtClean="0">
+              <a:rPr lang="en-US" sz="1800" dirty="0">
                 <a:latin typeface="Calibri" pitchFamily="34" charset="0"/>
               </a:rPr>
               <a:t>cookie </a:t>
             </a:r>
-          </a:p>
-          <a:p>
-            <a:r>
-              <a:rPr lang="en-US" sz="2400" dirty="0" smtClean="0">
-                <a:latin typeface="Calibri" pitchFamily="34" charset="0"/>
-              </a:rPr>
-              <a:t>put(</a:t>
-            </a:r>
-            <a:r>
-              <a:rPr lang="en-US" sz="2400" dirty="0" err="1" smtClean="0">
-                <a:latin typeface="Calibri" pitchFamily="34" charset="0"/>
-              </a:rPr>
-              <a:t>key,value</a:t>
-            </a:r>
-            <a:r>
-              <a:rPr lang="en-US" sz="2400" dirty="0" smtClean="0">
-                <a:latin typeface="Calibri" pitchFamily="34" charset="0"/>
-              </a:rPr>
-              <a:t>, [options]) – </a:t>
-            </a:r>
-            <a:r>
-              <a:rPr lang="ru-RU" sz="2400" dirty="0" smtClean="0">
-                <a:latin typeface="Calibri" pitchFamily="34" charset="0"/>
-              </a:rPr>
-              <a:t>запись значения в </a:t>
-            </a:r>
-            <a:r>
-              <a:rPr lang="en-US" sz="2400" dirty="0" smtClean="0">
-                <a:latin typeface="Calibri" pitchFamily="34" charset="0"/>
-              </a:rPr>
-              <a:t>cookie </a:t>
-            </a:r>
-          </a:p>
-          <a:p>
-            <a:r>
-              <a:rPr lang="en-US" sz="2400" dirty="0" smtClean="0">
-                <a:latin typeface="Calibri" pitchFamily="34" charset="0"/>
-              </a:rPr>
-              <a:t>remove(key, [options] – </a:t>
-            </a:r>
-            <a:r>
-              <a:rPr lang="ru-RU" sz="2400" dirty="0" smtClean="0">
-                <a:latin typeface="Calibri" pitchFamily="34" charset="0"/>
-              </a:rPr>
-              <a:t>удаление</a:t>
-            </a:r>
-            <a:r>
-              <a:rPr lang="en-US" sz="2400" dirty="0" smtClean="0">
-                <a:latin typeface="Calibri" pitchFamily="34" charset="0"/>
-              </a:rPr>
-              <a:t> cookie </a:t>
-            </a:r>
-            <a:r>
-              <a:rPr lang="ru-RU" sz="2400" dirty="0" smtClean="0">
-                <a:latin typeface="Calibri" pitchFamily="34" charset="0"/>
-              </a:rPr>
-              <a:t>по </a:t>
-            </a:r>
-            <a:r>
-              <a:rPr lang="ru-RU" sz="2400" dirty="0" smtClean="0">
-                <a:latin typeface="Calibri" pitchFamily="34" charset="0"/>
-              </a:rPr>
-              <a:t>к</a:t>
-            </a:r>
-            <a:r>
-              <a:rPr lang="ru-RU" sz="2400" dirty="0" smtClean="0">
-                <a:latin typeface="Calibri" pitchFamily="34" charset="0"/>
-              </a:rPr>
-              <a:t>лючу</a:t>
-            </a:r>
-            <a:endParaRPr lang="en-US" sz="2400" dirty="0" smtClean="0">
+            <a:r>
+              <a:rPr lang="ru-RU" sz="1800" dirty="0">
+                <a:latin typeface="Calibri" pitchFamily="34" charset="0"/>
+              </a:rPr>
+              <a:t> </a:t>
+            </a:r>
+            <a:endParaRPr lang="en-US" sz="1800" dirty="0">
               <a:latin typeface="Calibri" pitchFamily="34" charset="0"/>
             </a:endParaRPr>
           </a:p>
           <a:p>
-            <a:endParaRPr lang="uk-UA" dirty="0">
+            <a:pPr marL="0" indent="0">
+              <a:buNone/>
+            </a:pPr>
+            <a:r>
+              <a:rPr lang="ru-RU" sz="1800" dirty="0">
+                <a:latin typeface="Calibri" pitchFamily="34" charset="0"/>
+              </a:rPr>
+              <a:t>      </a:t>
+            </a:r>
+            <a:r>
+              <a:rPr lang="en-US" sz="1800" dirty="0">
+                <a:latin typeface="Calibri" pitchFamily="34" charset="0"/>
+              </a:rPr>
+              <a:t>put(</a:t>
+            </a:r>
+            <a:r>
+              <a:rPr lang="en-US" sz="1800" dirty="0" err="1">
+                <a:latin typeface="Calibri" pitchFamily="34" charset="0"/>
+              </a:rPr>
+              <a:t>key,value</a:t>
+            </a:r>
+            <a:r>
+              <a:rPr lang="en-US" sz="1800" dirty="0">
+                <a:latin typeface="Calibri" pitchFamily="34" charset="0"/>
+              </a:rPr>
+              <a:t>, [options]) – </a:t>
+            </a:r>
+            <a:r>
+              <a:rPr lang="ru-RU" sz="1800" dirty="0">
+                <a:latin typeface="Calibri" pitchFamily="34" charset="0"/>
+              </a:rPr>
+              <a:t>запись значения в </a:t>
+            </a:r>
+            <a:r>
+              <a:rPr lang="en-US" sz="1800" dirty="0">
+                <a:latin typeface="Calibri" pitchFamily="34" charset="0"/>
+              </a:rPr>
+              <a:t>cookie </a:t>
+            </a:r>
+          </a:p>
+          <a:p>
+            <a:pPr marL="0" indent="0">
+              <a:buNone/>
+            </a:pPr>
+            <a:r>
+              <a:rPr lang="ru-RU" sz="1800" dirty="0">
+                <a:latin typeface="Calibri" pitchFamily="34" charset="0"/>
+              </a:rPr>
+              <a:t>      </a:t>
+            </a:r>
+            <a:r>
+              <a:rPr lang="en-US" sz="1800" dirty="0">
+                <a:latin typeface="Calibri" pitchFamily="34" charset="0"/>
+              </a:rPr>
+              <a:t>remove(key, [options] – </a:t>
+            </a:r>
+            <a:r>
+              <a:rPr lang="ru-RU" sz="1800" dirty="0">
+                <a:latin typeface="Calibri" pitchFamily="34" charset="0"/>
+              </a:rPr>
+              <a:t>удаление</a:t>
+            </a:r>
+            <a:r>
+              <a:rPr lang="en-US" sz="1800" dirty="0">
+                <a:latin typeface="Calibri" pitchFamily="34" charset="0"/>
+              </a:rPr>
+              <a:t> cookie </a:t>
+            </a:r>
+            <a:r>
+              <a:rPr lang="ru-RU" sz="1800" dirty="0">
+                <a:latin typeface="Calibri" pitchFamily="34" charset="0"/>
+              </a:rPr>
+              <a:t>по ключу</a:t>
+            </a:r>
+            <a:endParaRPr lang="en-US" sz="1800" dirty="0">
+              <a:latin typeface="Calibri" pitchFamily="34" charset="0"/>
+            </a:endParaRPr>
+          </a:p>
+          <a:p>
+            <a:endParaRPr lang="uk-UA" sz="1800" dirty="0">
               <a:latin typeface="Calibri" pitchFamily="34" charset="0"/>
             </a:endParaRPr>
           </a:p>
